--- a/tree_rings/draft_tree-rings_fig.pptx
+++ b/tree_rings/draft_tree-rings_fig.pptx
@@ -6,6 +6,7 @@
   </p:sldMasterIdLst>
   <p:sldIdLst>
     <p:sldId id="256" r:id="rId2"/>
+    <p:sldId id="257" r:id="rId3"/>
   </p:sldIdLst>
   <p:sldSz cx="12192000" cy="6858000"/>
   <p:notesSz cx="6858000" cy="9144000"/>
@@ -104,6 +105,11 @@
       </a:defRPr>
     </a:lvl9pPr>
   </p:defaultTextStyle>
+  <p:extLst>
+    <p:ext uri="{EFAFB233-063F-42B5-8137-9DF3F51BA10A}">
+      <p15:sldGuideLst xmlns:p15="http://schemas.microsoft.com/office/powerpoint/2012/main"/>
+    </p:ext>
+  </p:extLst>
 </p:presentation>
 </file>
 
@@ -254,7 +260,7 @@
           <a:p>
             <a:fld id="{9AC9D009-A162-6A40-891D-8D8CF52D647B}" type="datetimeFigureOut">
               <a:rPr lang="en-US" smtClean="0"/>
-              <a:t>1/26/21</a:t>
+              <a:t>7/26/21</a:t>
             </a:fld>
             <a:endParaRPr lang="en-US"/>
           </a:p>
@@ -452,7 +458,7 @@
           <a:p>
             <a:fld id="{9AC9D009-A162-6A40-891D-8D8CF52D647B}" type="datetimeFigureOut">
               <a:rPr lang="en-US" smtClean="0"/>
-              <a:t>1/26/21</a:t>
+              <a:t>7/26/21</a:t>
             </a:fld>
             <a:endParaRPr lang="en-US"/>
           </a:p>
@@ -660,7 +666,7 @@
           <a:p>
             <a:fld id="{9AC9D009-A162-6A40-891D-8D8CF52D647B}" type="datetimeFigureOut">
               <a:rPr lang="en-US" smtClean="0"/>
-              <a:t>1/26/21</a:t>
+              <a:t>7/26/21</a:t>
             </a:fld>
             <a:endParaRPr lang="en-US"/>
           </a:p>
@@ -858,7 +864,7 @@
           <a:p>
             <a:fld id="{9AC9D009-A162-6A40-891D-8D8CF52D647B}" type="datetimeFigureOut">
               <a:rPr lang="en-US" smtClean="0"/>
-              <a:t>1/26/21</a:t>
+              <a:t>7/26/21</a:t>
             </a:fld>
             <a:endParaRPr lang="en-US"/>
           </a:p>
@@ -1133,7 +1139,7 @@
           <a:p>
             <a:fld id="{9AC9D009-A162-6A40-891D-8D8CF52D647B}" type="datetimeFigureOut">
               <a:rPr lang="en-US" smtClean="0"/>
-              <a:t>1/26/21</a:t>
+              <a:t>7/26/21</a:t>
             </a:fld>
             <a:endParaRPr lang="en-US"/>
           </a:p>
@@ -1398,7 +1404,7 @@
           <a:p>
             <a:fld id="{9AC9D009-A162-6A40-891D-8D8CF52D647B}" type="datetimeFigureOut">
               <a:rPr lang="en-US" smtClean="0"/>
-              <a:t>1/26/21</a:t>
+              <a:t>7/26/21</a:t>
             </a:fld>
             <a:endParaRPr lang="en-US"/>
           </a:p>
@@ -1810,7 +1816,7 @@
           <a:p>
             <a:fld id="{9AC9D009-A162-6A40-891D-8D8CF52D647B}" type="datetimeFigureOut">
               <a:rPr lang="en-US" smtClean="0"/>
-              <a:t>1/26/21</a:t>
+              <a:t>7/26/21</a:t>
             </a:fld>
             <a:endParaRPr lang="en-US"/>
           </a:p>
@@ -1951,7 +1957,7 @@
           <a:p>
             <a:fld id="{9AC9D009-A162-6A40-891D-8D8CF52D647B}" type="datetimeFigureOut">
               <a:rPr lang="en-US" smtClean="0"/>
-              <a:t>1/26/21</a:t>
+              <a:t>7/26/21</a:t>
             </a:fld>
             <a:endParaRPr lang="en-US"/>
           </a:p>
@@ -2064,7 +2070,7 @@
           <a:p>
             <a:fld id="{9AC9D009-A162-6A40-891D-8D8CF52D647B}" type="datetimeFigureOut">
               <a:rPr lang="en-US" smtClean="0"/>
-              <a:t>1/26/21</a:t>
+              <a:t>7/26/21</a:t>
             </a:fld>
             <a:endParaRPr lang="en-US"/>
           </a:p>
@@ -2375,7 +2381,7 @@
           <a:p>
             <a:fld id="{9AC9D009-A162-6A40-891D-8D8CF52D647B}" type="datetimeFigureOut">
               <a:rPr lang="en-US" smtClean="0"/>
-              <a:t>1/26/21</a:t>
+              <a:t>7/26/21</a:t>
             </a:fld>
             <a:endParaRPr lang="en-US"/>
           </a:p>
@@ -2663,7 +2669,7 @@
           <a:p>
             <a:fld id="{9AC9D009-A162-6A40-891D-8D8CF52D647B}" type="datetimeFigureOut">
               <a:rPr lang="en-US" smtClean="0"/>
-              <a:t>1/26/21</a:t>
+              <a:t>7/26/21</a:t>
             </a:fld>
             <a:endParaRPr lang="en-US"/>
           </a:p>
@@ -2904,7 +2910,7 @@
           <a:p>
             <a:fld id="{9AC9D009-A162-6A40-891D-8D8CF52D647B}" type="datetimeFigureOut">
               <a:rPr lang="en-US" smtClean="0"/>
-              <a:t>1/26/21</a:t>
+              <a:t>7/26/21</a:t>
             </a:fld>
             <a:endParaRPr lang="en-US"/>
           </a:p>
@@ -3321,6 +3327,353 @@
           <a:chExt cx="0" cy="0"/>
         </a:xfrm>
       </p:grpSpPr>
+      <p:grpSp>
+        <p:nvGrpSpPr>
+          <p:cNvPr id="13" name="Group 12">
+            <a:extLst>
+              <a:ext uri="{FF2B5EF4-FFF2-40B4-BE49-F238E27FC236}">
+                <a16:creationId xmlns:a16="http://schemas.microsoft.com/office/drawing/2014/main" id="{A2EA54E4-48D5-0A47-91FA-A8109CC4D6B1}"/>
+              </a:ext>
+            </a:extLst>
+          </p:cNvPr>
+          <p:cNvGrpSpPr/>
+          <p:nvPr/>
+        </p:nvGrpSpPr>
+        <p:grpSpPr>
+          <a:xfrm>
+            <a:off x="2872083" y="463021"/>
+            <a:ext cx="2778907" cy="6071515"/>
+            <a:chOff x="2872083" y="452511"/>
+            <a:chExt cx="2778907" cy="6071515"/>
+          </a:xfrm>
+        </p:grpSpPr>
+        <p:pic>
+          <p:nvPicPr>
+            <p:cNvPr id="3" name="Picture 2">
+              <a:extLst>
+                <a:ext uri="{FF2B5EF4-FFF2-40B4-BE49-F238E27FC236}">
+                  <a16:creationId xmlns:a16="http://schemas.microsoft.com/office/drawing/2014/main" id="{02518B8B-73CC-9743-B192-CB3306D5EFE9}"/>
+                </a:ext>
+              </a:extLst>
+            </p:cNvPr>
+            <p:cNvPicPr>
+              <a:picLocks noChangeAspect="1"/>
+            </p:cNvPicPr>
+            <p:nvPr/>
+          </p:nvPicPr>
+          <p:blipFill>
+            <a:blip r:embed="rId2"/>
+            <a:stretch>
+              <a:fillRect/>
+            </a:stretch>
+          </p:blipFill>
+          <p:spPr>
+            <a:xfrm>
+              <a:off x="3057182" y="526742"/>
+              <a:ext cx="2593808" cy="5997284"/>
+            </a:xfrm>
+            <a:prstGeom prst="rect">
+              <a:avLst/>
+            </a:prstGeom>
+          </p:spPr>
+        </p:pic>
+        <p:pic>
+          <p:nvPicPr>
+            <p:cNvPr id="11" name="Picture 10">
+              <a:extLst>
+                <a:ext uri="{FF2B5EF4-FFF2-40B4-BE49-F238E27FC236}">
+                  <a16:creationId xmlns:a16="http://schemas.microsoft.com/office/drawing/2014/main" id="{EE2E05C9-CC21-7846-B8E4-DE293FC9ACF6}"/>
+                </a:ext>
+              </a:extLst>
+            </p:cNvPr>
+            <p:cNvPicPr>
+              <a:picLocks noChangeAspect="1"/>
+            </p:cNvPicPr>
+            <p:nvPr/>
+          </p:nvPicPr>
+          <p:blipFill>
+            <a:blip r:embed="rId3"/>
+            <a:stretch>
+              <a:fillRect/>
+            </a:stretch>
+          </p:blipFill>
+          <p:spPr>
+            <a:xfrm>
+              <a:off x="2872083" y="452511"/>
+              <a:ext cx="493217" cy="5769613"/>
+            </a:xfrm>
+            <a:prstGeom prst="rect">
+              <a:avLst/>
+            </a:prstGeom>
+          </p:spPr>
+        </p:pic>
+      </p:grpSp>
+      <p:grpSp>
+        <p:nvGrpSpPr>
+          <p:cNvPr id="15" name="Group 14">
+            <a:extLst>
+              <a:ext uri="{FF2B5EF4-FFF2-40B4-BE49-F238E27FC236}">
+                <a16:creationId xmlns:a16="http://schemas.microsoft.com/office/drawing/2014/main" id="{ADF08F49-DFD9-534F-AC22-89ED6ACFA640}"/>
+              </a:ext>
+            </a:extLst>
+          </p:cNvPr>
+          <p:cNvGrpSpPr/>
+          <p:nvPr/>
+        </p:nvGrpSpPr>
+        <p:grpSpPr>
+          <a:xfrm>
+            <a:off x="5877461" y="341286"/>
+            <a:ext cx="3559943" cy="6179939"/>
+            <a:chOff x="5594567" y="246849"/>
+            <a:chExt cx="4004752" cy="6858000"/>
+          </a:xfrm>
+        </p:grpSpPr>
+        <p:pic>
+          <p:nvPicPr>
+            <p:cNvPr id="5" name="Picture 4">
+              <a:extLst>
+                <a:ext uri="{FF2B5EF4-FFF2-40B4-BE49-F238E27FC236}">
+                  <a16:creationId xmlns:a16="http://schemas.microsoft.com/office/drawing/2014/main" id="{FE611730-67A8-7D4F-97A7-EE251516BF55}"/>
+                </a:ext>
+              </a:extLst>
+            </p:cNvPr>
+            <p:cNvPicPr>
+              <a:picLocks noChangeAspect="1"/>
+            </p:cNvPicPr>
+            <p:nvPr/>
+          </p:nvPicPr>
+          <p:blipFill rotWithShape="1">
+            <a:blip r:embed="rId4"/>
+            <a:srcRect l="87144"/>
+            <a:stretch/>
+          </p:blipFill>
+          <p:spPr>
+            <a:xfrm>
+              <a:off x="8601242" y="246849"/>
+              <a:ext cx="998077" cy="6858000"/>
+            </a:xfrm>
+            <a:prstGeom prst="rect">
+              <a:avLst/>
+            </a:prstGeom>
+          </p:spPr>
+        </p:pic>
+        <p:pic>
+          <p:nvPicPr>
+            <p:cNvPr id="6" name="Picture 5">
+              <a:extLst>
+                <a:ext uri="{FF2B5EF4-FFF2-40B4-BE49-F238E27FC236}">
+                  <a16:creationId xmlns:a16="http://schemas.microsoft.com/office/drawing/2014/main" id="{53BA53F9-4AF6-884F-8FC7-081B84DF87D4}"/>
+                </a:ext>
+              </a:extLst>
+            </p:cNvPr>
+            <p:cNvPicPr>
+              <a:picLocks noChangeAspect="1"/>
+            </p:cNvPicPr>
+            <p:nvPr/>
+          </p:nvPicPr>
+          <p:blipFill rotWithShape="1">
+            <a:blip r:embed="rId4"/>
+            <a:srcRect t="6017" r="61271"/>
+            <a:stretch/>
+          </p:blipFill>
+          <p:spPr>
+            <a:xfrm>
+              <a:off x="5594567" y="659528"/>
+              <a:ext cx="3006675" cy="6445321"/>
+            </a:xfrm>
+            <a:prstGeom prst="rect">
+              <a:avLst/>
+            </a:prstGeom>
+          </p:spPr>
+        </p:pic>
+      </p:grpSp>
+      <p:pic>
+        <p:nvPicPr>
+          <p:cNvPr id="7" name="Picture 6">
+            <a:extLst>
+              <a:ext uri="{FF2B5EF4-FFF2-40B4-BE49-F238E27FC236}">
+                <a16:creationId xmlns:a16="http://schemas.microsoft.com/office/drawing/2014/main" id="{3312E9D9-3EB4-C043-9025-BC9CACAC40FF}"/>
+              </a:ext>
+            </a:extLst>
+          </p:cNvPr>
+          <p:cNvPicPr>
+            <a:picLocks noChangeAspect="1"/>
+          </p:cNvPicPr>
+          <p:nvPr/>
+        </p:nvPicPr>
+        <p:blipFill rotWithShape="1">
+          <a:blip r:embed="rId4"/>
+          <a:srcRect b="93983"/>
+          <a:stretch/>
+        </p:blipFill>
+        <p:spPr>
+          <a:xfrm>
+            <a:off x="4804546" y="264485"/>
+            <a:ext cx="5488456" cy="291751"/>
+          </a:xfrm>
+          <a:prstGeom prst="rect">
+            <a:avLst/>
+          </a:prstGeom>
+        </p:spPr>
+      </p:pic>
+      <p:sp>
+        <p:nvSpPr>
+          <p:cNvPr id="9" name="TextBox 8">
+            <a:extLst>
+              <a:ext uri="{FF2B5EF4-FFF2-40B4-BE49-F238E27FC236}">
+                <a16:creationId xmlns:a16="http://schemas.microsoft.com/office/drawing/2014/main" id="{B0827302-ED15-364A-8A71-CC8F545A9A0E}"/>
+              </a:ext>
+            </a:extLst>
+          </p:cNvPr>
+          <p:cNvSpPr txBox="1"/>
+          <p:nvPr/>
+        </p:nvSpPr>
+        <p:spPr>
+          <a:xfrm>
+            <a:off x="2887042" y="92467"/>
+            <a:ext cx="585627" cy="369332"/>
+          </a:xfrm>
+          <a:prstGeom prst="rect">
+            <a:avLst/>
+          </a:prstGeom>
+          <a:noFill/>
+        </p:spPr>
+        <p:txBody>
+          <a:bodyPr wrap="square" rtlCol="0">
+            <a:spAutoFit/>
+          </a:bodyPr>
+          <a:lstStyle/>
+          <a:p>
+            <a:r>
+              <a:rPr lang="en-US" dirty="0"/>
+              <a:t>(a)</a:t>
+            </a:r>
+          </a:p>
+        </p:txBody>
+      </p:sp>
+      <p:sp>
+        <p:nvSpPr>
+          <p:cNvPr id="10" name="TextBox 9">
+            <a:extLst>
+              <a:ext uri="{FF2B5EF4-FFF2-40B4-BE49-F238E27FC236}">
+                <a16:creationId xmlns:a16="http://schemas.microsoft.com/office/drawing/2014/main" id="{0646AA13-0A84-AA43-B437-D822EA3680E2}"/>
+              </a:ext>
+            </a:extLst>
+          </p:cNvPr>
+          <p:cNvSpPr txBox="1"/>
+          <p:nvPr/>
+        </p:nvSpPr>
+        <p:spPr>
+          <a:xfrm>
+            <a:off x="5868426" y="62183"/>
+            <a:ext cx="585627" cy="369332"/>
+          </a:xfrm>
+          <a:prstGeom prst="rect">
+            <a:avLst/>
+          </a:prstGeom>
+          <a:noFill/>
+        </p:spPr>
+        <p:txBody>
+          <a:bodyPr wrap="square" rtlCol="0">
+            <a:spAutoFit/>
+          </a:bodyPr>
+          <a:lstStyle/>
+          <a:p>
+            <a:r>
+              <a:rPr lang="en-US" dirty="0"/>
+              <a:t>(b)</a:t>
+            </a:r>
+          </a:p>
+        </p:txBody>
+      </p:sp>
+      <p:pic>
+        <p:nvPicPr>
+          <p:cNvPr id="4" name="Picture 3">
+            <a:extLst>
+              <a:ext uri="{FF2B5EF4-FFF2-40B4-BE49-F238E27FC236}">
+                <a16:creationId xmlns:a16="http://schemas.microsoft.com/office/drawing/2014/main" id="{FFBCC273-FF3E-4D48-98C6-F208210BB8B6}"/>
+              </a:ext>
+            </a:extLst>
+          </p:cNvPr>
+          <p:cNvPicPr>
+            <a:picLocks noChangeAspect="1"/>
+          </p:cNvPicPr>
+          <p:nvPr/>
+        </p:nvPicPr>
+        <p:blipFill rotWithShape="1">
+          <a:blip r:embed="rId5"/>
+          <a:srcRect t="45463"/>
+          <a:stretch/>
+        </p:blipFill>
+        <p:spPr>
+          <a:xfrm>
+            <a:off x="4425718" y="169973"/>
+            <a:ext cx="971253" cy="359570"/>
+          </a:xfrm>
+          <a:prstGeom prst="rect">
+            <a:avLst/>
+          </a:prstGeom>
+        </p:spPr>
+      </p:pic>
+      <p:pic>
+        <p:nvPicPr>
+          <p:cNvPr id="14" name="Picture 13">
+            <a:extLst>
+              <a:ext uri="{FF2B5EF4-FFF2-40B4-BE49-F238E27FC236}">
+                <a16:creationId xmlns:a16="http://schemas.microsoft.com/office/drawing/2014/main" id="{4A263617-A946-DD4F-9426-B694740E2943}"/>
+              </a:ext>
+            </a:extLst>
+          </p:cNvPr>
+          <p:cNvPicPr>
+            <a:picLocks noChangeAspect="1"/>
+          </p:cNvPicPr>
+          <p:nvPr/>
+        </p:nvPicPr>
+        <p:blipFill rotWithShape="1">
+          <a:blip r:embed="rId5"/>
+          <a:srcRect b="55334"/>
+          <a:stretch/>
+        </p:blipFill>
+        <p:spPr>
+          <a:xfrm>
+            <a:off x="3351455" y="129886"/>
+            <a:ext cx="971253" cy="294493"/>
+          </a:xfrm>
+          <a:prstGeom prst="rect">
+            <a:avLst/>
+          </a:prstGeom>
+        </p:spPr>
+      </p:pic>
+    </p:spTree>
+    <p:extLst>
+      <p:ext uri="{BB962C8B-B14F-4D97-AF65-F5344CB8AC3E}">
+        <p14:creationId xmlns:p14="http://schemas.microsoft.com/office/powerpoint/2010/main" val="3354285721"/>
+      </p:ext>
+    </p:extLst>
+  </p:cSld>
+  <p:clrMapOvr>
+    <a:masterClrMapping/>
+  </p:clrMapOvr>
+</p:sld>
+</file>
+
+<file path=ppt/slides/slide2.xml><?xml version="1.0" encoding="utf-8"?>
+<p:sld xmlns:a="http://schemas.openxmlformats.org/drawingml/2006/main" xmlns:r="http://schemas.openxmlformats.org/officeDocument/2006/relationships" xmlns:p="http://schemas.openxmlformats.org/presentationml/2006/main">
+  <p:cSld>
+    <p:spTree>
+      <p:nvGrpSpPr>
+        <p:cNvPr id="1" name=""/>
+        <p:cNvGrpSpPr/>
+        <p:nvPr/>
+      </p:nvGrpSpPr>
+      <p:grpSpPr>
+        <a:xfrm>
+          <a:off x="0" y="0"/>
+          <a:ext cx="0" cy="0"/>
+          <a:chOff x="0" y="0"/>
+          <a:chExt cx="0" cy="0"/>
+        </a:xfrm>
+      </p:grpSpPr>
       <p:pic>
         <p:nvPicPr>
           <p:cNvPr id="5" name="Picture 4">
@@ -3546,7 +3899,7 @@
     </p:spTree>
     <p:extLst>
       <p:ext uri="{BB962C8B-B14F-4D97-AF65-F5344CB8AC3E}">
-        <p14:creationId xmlns:p14="http://schemas.microsoft.com/office/powerpoint/2010/main" val="3354285721"/>
+        <p14:creationId xmlns:p14="http://schemas.microsoft.com/office/powerpoint/2010/main" val="3054049084"/>
       </p:ext>
     </p:extLst>
   </p:cSld>

--- a/tree_rings/draft_tree-rings_fig.pptx
+++ b/tree_rings/draft_tree-rings_fig.pptx
@@ -6,7 +6,6 @@
   </p:sldMasterIdLst>
   <p:sldIdLst>
     <p:sldId id="256" r:id="rId2"/>
-    <p:sldId id="257" r:id="rId3"/>
   </p:sldIdLst>
   <p:sldSz cx="12192000" cy="6858000"/>
   <p:notesSz cx="6858000" cy="9144000"/>
@@ -260,7 +259,7 @@
           <a:p>
             <a:fld id="{9AC9D009-A162-6A40-891D-8D8CF52D647B}" type="datetimeFigureOut">
               <a:rPr lang="en-US" smtClean="0"/>
-              <a:t>7/26/21</a:t>
+              <a:t>8/9/21</a:t>
             </a:fld>
             <a:endParaRPr lang="en-US"/>
           </a:p>
@@ -458,7 +457,7 @@
           <a:p>
             <a:fld id="{9AC9D009-A162-6A40-891D-8D8CF52D647B}" type="datetimeFigureOut">
               <a:rPr lang="en-US" smtClean="0"/>
-              <a:t>7/26/21</a:t>
+              <a:t>8/9/21</a:t>
             </a:fld>
             <a:endParaRPr lang="en-US"/>
           </a:p>
@@ -666,7 +665,7 @@
           <a:p>
             <a:fld id="{9AC9D009-A162-6A40-891D-8D8CF52D647B}" type="datetimeFigureOut">
               <a:rPr lang="en-US" smtClean="0"/>
-              <a:t>7/26/21</a:t>
+              <a:t>8/9/21</a:t>
             </a:fld>
             <a:endParaRPr lang="en-US"/>
           </a:p>
@@ -864,7 +863,7 @@
           <a:p>
             <a:fld id="{9AC9D009-A162-6A40-891D-8D8CF52D647B}" type="datetimeFigureOut">
               <a:rPr lang="en-US" smtClean="0"/>
-              <a:t>7/26/21</a:t>
+              <a:t>8/9/21</a:t>
             </a:fld>
             <a:endParaRPr lang="en-US"/>
           </a:p>
@@ -1139,7 +1138,7 @@
           <a:p>
             <a:fld id="{9AC9D009-A162-6A40-891D-8D8CF52D647B}" type="datetimeFigureOut">
               <a:rPr lang="en-US" smtClean="0"/>
-              <a:t>7/26/21</a:t>
+              <a:t>8/9/21</a:t>
             </a:fld>
             <a:endParaRPr lang="en-US"/>
           </a:p>
@@ -1404,7 +1403,7 @@
           <a:p>
             <a:fld id="{9AC9D009-A162-6A40-891D-8D8CF52D647B}" type="datetimeFigureOut">
               <a:rPr lang="en-US" smtClean="0"/>
-              <a:t>7/26/21</a:t>
+              <a:t>8/9/21</a:t>
             </a:fld>
             <a:endParaRPr lang="en-US"/>
           </a:p>
@@ -1816,7 +1815,7 @@
           <a:p>
             <a:fld id="{9AC9D009-A162-6A40-891D-8D8CF52D647B}" type="datetimeFigureOut">
               <a:rPr lang="en-US" smtClean="0"/>
-              <a:t>7/26/21</a:t>
+              <a:t>8/9/21</a:t>
             </a:fld>
             <a:endParaRPr lang="en-US"/>
           </a:p>
@@ -1957,7 +1956,7 @@
           <a:p>
             <a:fld id="{9AC9D009-A162-6A40-891D-8D8CF52D647B}" type="datetimeFigureOut">
               <a:rPr lang="en-US" smtClean="0"/>
-              <a:t>7/26/21</a:t>
+              <a:t>8/9/21</a:t>
             </a:fld>
             <a:endParaRPr lang="en-US"/>
           </a:p>
@@ -2070,7 +2069,7 @@
           <a:p>
             <a:fld id="{9AC9D009-A162-6A40-891D-8D8CF52D647B}" type="datetimeFigureOut">
               <a:rPr lang="en-US" smtClean="0"/>
-              <a:t>7/26/21</a:t>
+              <a:t>8/9/21</a:t>
             </a:fld>
             <a:endParaRPr lang="en-US"/>
           </a:p>
@@ -2381,7 +2380,7 @@
           <a:p>
             <a:fld id="{9AC9D009-A162-6A40-891D-8D8CF52D647B}" type="datetimeFigureOut">
               <a:rPr lang="en-US" smtClean="0"/>
-              <a:t>7/26/21</a:t>
+              <a:t>8/9/21</a:t>
             </a:fld>
             <a:endParaRPr lang="en-US"/>
           </a:p>
@@ -2669,7 +2668,7 @@
           <a:p>
             <a:fld id="{9AC9D009-A162-6A40-891D-8D8CF52D647B}" type="datetimeFigureOut">
               <a:rPr lang="en-US" smtClean="0"/>
-              <a:t>7/26/21</a:t>
+              <a:t>8/9/21</a:t>
             </a:fld>
             <a:endParaRPr lang="en-US"/>
           </a:p>
@@ -2910,7 +2909,7 @@
           <a:p>
             <a:fld id="{9AC9D009-A162-6A40-891D-8D8CF52D647B}" type="datetimeFigureOut">
               <a:rPr lang="en-US" smtClean="0"/>
-              <a:t>7/26/21</a:t>
+              <a:t>8/9/21</a:t>
             </a:fld>
             <a:endParaRPr lang="en-US"/>
           </a:p>
@@ -3327,12 +3326,41 @@
           <a:chExt cx="0" cy="0"/>
         </a:xfrm>
       </p:grpSpPr>
+      <p:pic>
+        <p:nvPicPr>
+          <p:cNvPr id="7" name="Picture 6">
+            <a:extLst>
+              <a:ext uri="{FF2B5EF4-FFF2-40B4-BE49-F238E27FC236}">
+                <a16:creationId xmlns:a16="http://schemas.microsoft.com/office/drawing/2014/main" id="{3312E9D9-3EB4-C043-9025-BC9CACAC40FF}"/>
+              </a:ext>
+            </a:extLst>
+          </p:cNvPr>
+          <p:cNvPicPr>
+            <a:picLocks noChangeAspect="1"/>
+          </p:cNvPicPr>
+          <p:nvPr/>
+        </p:nvPicPr>
+        <p:blipFill rotWithShape="1">
+          <a:blip r:embed="rId2"/>
+          <a:srcRect l="26594" t="-36" r="21318" b="94374"/>
+          <a:stretch/>
+        </p:blipFill>
+        <p:spPr>
+          <a:xfrm>
+            <a:off x="6454053" y="359522"/>
+            <a:ext cx="2176515" cy="208981"/>
+          </a:xfrm>
+          <a:prstGeom prst="rect">
+            <a:avLst/>
+          </a:prstGeom>
+        </p:spPr>
+      </p:pic>
       <p:grpSp>
         <p:nvGrpSpPr>
-          <p:cNvPr id="13" name="Group 12">
-            <a:extLst>
-              <a:ext uri="{FF2B5EF4-FFF2-40B4-BE49-F238E27FC236}">
-                <a16:creationId xmlns:a16="http://schemas.microsoft.com/office/drawing/2014/main" id="{A2EA54E4-48D5-0A47-91FA-A8109CC4D6B1}"/>
+          <p:cNvPr id="8" name="Group 7">
+            <a:extLst>
+              <a:ext uri="{FF2B5EF4-FFF2-40B4-BE49-F238E27FC236}">
+                <a16:creationId xmlns:a16="http://schemas.microsoft.com/office/drawing/2014/main" id="{C1176BA4-62AC-2D47-85C1-E5FF80191872}"/>
               </a:ext>
             </a:extLst>
           </p:cNvPr>
@@ -3341,122 +3369,12 @@
         </p:nvGrpSpPr>
         <p:grpSpPr>
           <a:xfrm>
-            <a:off x="2872083" y="463021"/>
-            <a:ext cx="2778907" cy="6071515"/>
-            <a:chOff x="2872083" y="452511"/>
-            <a:chExt cx="2778907" cy="6071515"/>
+            <a:off x="6002978" y="672680"/>
+            <a:ext cx="2672723" cy="5808062"/>
+            <a:chOff x="5877461" y="713163"/>
+            <a:chExt cx="2672723" cy="5808062"/>
           </a:xfrm>
         </p:grpSpPr>
-        <p:pic>
-          <p:nvPicPr>
-            <p:cNvPr id="3" name="Picture 2">
-              <a:extLst>
-                <a:ext uri="{FF2B5EF4-FFF2-40B4-BE49-F238E27FC236}">
-                  <a16:creationId xmlns:a16="http://schemas.microsoft.com/office/drawing/2014/main" id="{02518B8B-73CC-9743-B192-CB3306D5EFE9}"/>
-                </a:ext>
-              </a:extLst>
-            </p:cNvPr>
-            <p:cNvPicPr>
-              <a:picLocks noChangeAspect="1"/>
-            </p:cNvPicPr>
-            <p:nvPr/>
-          </p:nvPicPr>
-          <p:blipFill>
-            <a:blip r:embed="rId2"/>
-            <a:stretch>
-              <a:fillRect/>
-            </a:stretch>
-          </p:blipFill>
-          <p:spPr>
-            <a:xfrm>
-              <a:off x="3057182" y="526742"/>
-              <a:ext cx="2593808" cy="5997284"/>
-            </a:xfrm>
-            <a:prstGeom prst="rect">
-              <a:avLst/>
-            </a:prstGeom>
-          </p:spPr>
-        </p:pic>
-        <p:pic>
-          <p:nvPicPr>
-            <p:cNvPr id="11" name="Picture 10">
-              <a:extLst>
-                <a:ext uri="{FF2B5EF4-FFF2-40B4-BE49-F238E27FC236}">
-                  <a16:creationId xmlns:a16="http://schemas.microsoft.com/office/drawing/2014/main" id="{EE2E05C9-CC21-7846-B8E4-DE293FC9ACF6}"/>
-                </a:ext>
-              </a:extLst>
-            </p:cNvPr>
-            <p:cNvPicPr>
-              <a:picLocks noChangeAspect="1"/>
-            </p:cNvPicPr>
-            <p:nvPr/>
-          </p:nvPicPr>
-          <p:blipFill>
-            <a:blip r:embed="rId3"/>
-            <a:stretch>
-              <a:fillRect/>
-            </a:stretch>
-          </p:blipFill>
-          <p:spPr>
-            <a:xfrm>
-              <a:off x="2872083" y="452511"/>
-              <a:ext cx="493217" cy="5769613"/>
-            </a:xfrm>
-            <a:prstGeom prst="rect">
-              <a:avLst/>
-            </a:prstGeom>
-          </p:spPr>
-        </p:pic>
-      </p:grpSp>
-      <p:grpSp>
-        <p:nvGrpSpPr>
-          <p:cNvPr id="15" name="Group 14">
-            <a:extLst>
-              <a:ext uri="{FF2B5EF4-FFF2-40B4-BE49-F238E27FC236}">
-                <a16:creationId xmlns:a16="http://schemas.microsoft.com/office/drawing/2014/main" id="{ADF08F49-DFD9-534F-AC22-89ED6ACFA640}"/>
-              </a:ext>
-            </a:extLst>
-          </p:cNvPr>
-          <p:cNvGrpSpPr/>
-          <p:nvPr/>
-        </p:nvGrpSpPr>
-        <p:grpSpPr>
-          <a:xfrm>
-            <a:off x="5877461" y="341286"/>
-            <a:ext cx="3559943" cy="6179939"/>
-            <a:chOff x="5594567" y="246849"/>
-            <a:chExt cx="4004752" cy="6858000"/>
-          </a:xfrm>
-        </p:grpSpPr>
-        <p:pic>
-          <p:nvPicPr>
-            <p:cNvPr id="5" name="Picture 4">
-              <a:extLst>
-                <a:ext uri="{FF2B5EF4-FFF2-40B4-BE49-F238E27FC236}">
-                  <a16:creationId xmlns:a16="http://schemas.microsoft.com/office/drawing/2014/main" id="{FE611730-67A8-7D4F-97A7-EE251516BF55}"/>
-                </a:ext>
-              </a:extLst>
-            </p:cNvPr>
-            <p:cNvPicPr>
-              <a:picLocks noChangeAspect="1"/>
-            </p:cNvPicPr>
-            <p:nvPr/>
-          </p:nvPicPr>
-          <p:blipFill rotWithShape="1">
-            <a:blip r:embed="rId4"/>
-            <a:srcRect l="87144"/>
-            <a:stretch/>
-          </p:blipFill>
-          <p:spPr>
-            <a:xfrm>
-              <a:off x="8601242" y="246849"/>
-              <a:ext cx="998077" cy="6858000"/>
-            </a:xfrm>
-            <a:prstGeom prst="rect">
-              <a:avLst/>
-            </a:prstGeom>
-          </p:spPr>
-        </p:pic>
         <p:pic>
           <p:nvPicPr>
             <p:cNvPr id="6" name="Picture 5">
@@ -3472,50 +3390,699 @@
             <p:nvPr/>
           </p:nvPicPr>
           <p:blipFill rotWithShape="1">
-            <a:blip r:embed="rId4"/>
+            <a:blip r:embed="rId2"/>
             <a:srcRect t="6017" r="61271"/>
             <a:stretch/>
           </p:blipFill>
           <p:spPr>
             <a:xfrm>
-              <a:off x="5594567" y="659528"/>
-              <a:ext cx="3006675" cy="6445321"/>
+              <a:off x="5877461" y="713163"/>
+              <a:ext cx="2672723" cy="5808062"/>
             </a:xfrm>
             <a:prstGeom prst="rect">
               <a:avLst/>
             </a:prstGeom>
           </p:spPr>
         </p:pic>
+        <p:sp>
+          <p:nvSpPr>
+            <p:cNvPr id="2" name="TextBox 1">
+              <a:extLst>
+                <a:ext uri="{FF2B5EF4-FFF2-40B4-BE49-F238E27FC236}">
+                  <a16:creationId xmlns:a16="http://schemas.microsoft.com/office/drawing/2014/main" id="{4FBFDD4E-8513-694A-BCB4-AD12C6322002}"/>
+                </a:ext>
+              </a:extLst>
+            </p:cNvPr>
+            <p:cNvSpPr txBox="1"/>
+            <p:nvPr/>
+          </p:nvSpPr>
+          <p:spPr>
+            <a:xfrm>
+              <a:off x="6989379" y="777770"/>
+              <a:ext cx="1446021" cy="261610"/>
+            </a:xfrm>
+            <a:prstGeom prst="rect">
+              <a:avLst/>
+            </a:prstGeom>
+            <a:noFill/>
+          </p:spPr>
+          <p:txBody>
+            <a:bodyPr wrap="square" rtlCol="0">
+              <a:spAutoFit/>
+            </a:bodyPr>
+            <a:lstStyle/>
+            <a:p>
+              <a:pPr algn="r"/>
+              <a:r>
+                <a:rPr lang="en-US" sz="1100" i="1" dirty="0">
+                  <a:latin typeface="Arial" panose="020B0604020202020204" pitchFamily="34" charset="0"/>
+                  <a:cs typeface="Arial" panose="020B0604020202020204" pitchFamily="34" charset="0"/>
+                </a:rPr>
+                <a:t>Tsuga canadensis</a:t>
+              </a:r>
+            </a:p>
+          </p:txBody>
+        </p:sp>
+        <p:sp>
+          <p:nvSpPr>
+            <p:cNvPr id="16" name="TextBox 15">
+              <a:extLst>
+                <a:ext uri="{FF2B5EF4-FFF2-40B4-BE49-F238E27FC236}">
+                  <a16:creationId xmlns:a16="http://schemas.microsoft.com/office/drawing/2014/main" id="{81F23270-6692-3F4E-93E5-6989ADD857FD}"/>
+                </a:ext>
+              </a:extLst>
+            </p:cNvPr>
+            <p:cNvSpPr txBox="1"/>
+            <p:nvPr/>
+          </p:nvSpPr>
+          <p:spPr>
+            <a:xfrm>
+              <a:off x="6989379" y="2107328"/>
+              <a:ext cx="1446021" cy="261610"/>
+            </a:xfrm>
+            <a:prstGeom prst="rect">
+              <a:avLst/>
+            </a:prstGeom>
+            <a:noFill/>
+          </p:spPr>
+          <p:txBody>
+            <a:bodyPr wrap="square" rtlCol="0">
+              <a:spAutoFit/>
+            </a:bodyPr>
+            <a:lstStyle/>
+            <a:p>
+              <a:pPr algn="r"/>
+              <a:r>
+                <a:rPr lang="en-US" sz="1100" i="1" dirty="0">
+                  <a:latin typeface="Arial" panose="020B0604020202020204" pitchFamily="34" charset="0"/>
+                  <a:cs typeface="Arial" panose="020B0604020202020204" pitchFamily="34" charset="0"/>
+                </a:rPr>
+                <a:t>Fagus grandifolia</a:t>
+              </a:r>
+            </a:p>
+          </p:txBody>
+        </p:sp>
+        <p:sp>
+          <p:nvSpPr>
+            <p:cNvPr id="17" name="TextBox 16">
+              <a:extLst>
+                <a:ext uri="{FF2B5EF4-FFF2-40B4-BE49-F238E27FC236}">
+                  <a16:creationId xmlns:a16="http://schemas.microsoft.com/office/drawing/2014/main" id="{1D3816CB-FBFE-AA4F-BEE8-EEE47292B5D1}"/>
+                </a:ext>
+              </a:extLst>
+            </p:cNvPr>
+            <p:cNvSpPr txBox="1"/>
+            <p:nvPr/>
+          </p:nvSpPr>
+          <p:spPr>
+            <a:xfrm>
+              <a:off x="6989379" y="3466576"/>
+              <a:ext cx="1446021" cy="261610"/>
+            </a:xfrm>
+            <a:prstGeom prst="rect">
+              <a:avLst/>
+            </a:prstGeom>
+            <a:noFill/>
+          </p:spPr>
+          <p:txBody>
+            <a:bodyPr wrap="square" rtlCol="0">
+              <a:spAutoFit/>
+            </a:bodyPr>
+            <a:lstStyle/>
+            <a:p>
+              <a:pPr algn="r"/>
+              <a:r>
+                <a:rPr lang="en-US" sz="1100" i="1" dirty="0">
+                  <a:latin typeface="Arial" panose="020B0604020202020204" pitchFamily="34" charset="0"/>
+                  <a:cs typeface="Arial" panose="020B0604020202020204" pitchFamily="34" charset="0"/>
+                </a:rPr>
+                <a:t>Acer rubrum</a:t>
+              </a:r>
+            </a:p>
+          </p:txBody>
+        </p:sp>
+        <p:sp>
+          <p:nvSpPr>
+            <p:cNvPr id="18" name="TextBox 17">
+              <a:extLst>
+                <a:ext uri="{FF2B5EF4-FFF2-40B4-BE49-F238E27FC236}">
+                  <a16:creationId xmlns:a16="http://schemas.microsoft.com/office/drawing/2014/main" id="{9B0C520C-E8A7-F64C-B823-9158DECF0163}"/>
+                </a:ext>
+              </a:extLst>
+            </p:cNvPr>
+            <p:cNvSpPr txBox="1"/>
+            <p:nvPr/>
+          </p:nvSpPr>
+          <p:spPr>
+            <a:xfrm>
+              <a:off x="6989379" y="4804804"/>
+              <a:ext cx="1446021" cy="261610"/>
+            </a:xfrm>
+            <a:prstGeom prst="rect">
+              <a:avLst/>
+            </a:prstGeom>
+            <a:noFill/>
+          </p:spPr>
+          <p:txBody>
+            <a:bodyPr wrap="square" rtlCol="0">
+              <a:spAutoFit/>
+            </a:bodyPr>
+            <a:lstStyle/>
+            <a:p>
+              <a:pPr algn="r"/>
+              <a:r>
+                <a:rPr lang="en-US" sz="1100" i="1" dirty="0">
+                  <a:latin typeface="Arial" panose="020B0604020202020204" pitchFamily="34" charset="0"/>
+                  <a:cs typeface="Arial" panose="020B0604020202020204" pitchFamily="34" charset="0"/>
+                </a:rPr>
+                <a:t>Quercus rubra</a:t>
+              </a:r>
+            </a:p>
+          </p:txBody>
+        </p:sp>
       </p:grpSp>
-      <p:pic>
-        <p:nvPicPr>
-          <p:cNvPr id="7" name="Picture 6">
-            <a:extLst>
-              <a:ext uri="{FF2B5EF4-FFF2-40B4-BE49-F238E27FC236}">
-                <a16:creationId xmlns:a16="http://schemas.microsoft.com/office/drawing/2014/main" id="{3312E9D9-3EB4-C043-9025-BC9CACAC40FF}"/>
-              </a:ext>
-            </a:extLst>
-          </p:cNvPr>
-          <p:cNvPicPr>
-            <a:picLocks noChangeAspect="1"/>
-          </p:cNvPicPr>
+      <p:grpSp>
+        <p:nvGrpSpPr>
+          <p:cNvPr id="24" name="Group 23">
+            <a:extLst>
+              <a:ext uri="{FF2B5EF4-FFF2-40B4-BE49-F238E27FC236}">
+                <a16:creationId xmlns:a16="http://schemas.microsoft.com/office/drawing/2014/main" id="{0DF87A08-CF4F-DF47-BF71-D896ECFA42BD}"/>
+              </a:ext>
+            </a:extLst>
+          </p:cNvPr>
+          <p:cNvGrpSpPr/>
           <p:nvPr/>
-        </p:nvPicPr>
-        <p:blipFill rotWithShape="1">
-          <a:blip r:embed="rId4"/>
-          <a:srcRect b="93983"/>
-          <a:stretch/>
-        </p:blipFill>
+        </p:nvGrpSpPr>
+        <p:grpSpPr>
+          <a:xfrm>
+            <a:off x="3375053" y="327990"/>
+            <a:ext cx="2499707" cy="6059086"/>
+            <a:chOff x="3375053" y="327990"/>
+            <a:chExt cx="2499707" cy="6059086"/>
+          </a:xfrm>
+        </p:grpSpPr>
+        <p:grpSp>
+          <p:nvGrpSpPr>
+            <p:cNvPr id="13" name="Group 12">
+              <a:extLst>
+                <a:ext uri="{FF2B5EF4-FFF2-40B4-BE49-F238E27FC236}">
+                  <a16:creationId xmlns:a16="http://schemas.microsoft.com/office/drawing/2014/main" id="{A2EA54E4-48D5-0A47-91FA-A8109CC4D6B1}"/>
+                </a:ext>
+              </a:extLst>
+            </p:cNvPr>
+            <p:cNvGrpSpPr/>
+            <p:nvPr/>
+          </p:nvGrpSpPr>
+          <p:grpSpPr>
+            <a:xfrm>
+              <a:off x="3380858" y="579013"/>
+              <a:ext cx="2493902" cy="5808063"/>
+              <a:chOff x="2872083" y="452511"/>
+              <a:chExt cx="2778907" cy="6071515"/>
+            </a:xfrm>
+          </p:grpSpPr>
+          <p:pic>
+            <p:nvPicPr>
+              <p:cNvPr id="3" name="Picture 2">
+                <a:extLst>
+                  <a:ext uri="{FF2B5EF4-FFF2-40B4-BE49-F238E27FC236}">
+                    <a16:creationId xmlns:a16="http://schemas.microsoft.com/office/drawing/2014/main" id="{02518B8B-73CC-9743-B192-CB3306D5EFE9}"/>
+                  </a:ext>
+                </a:extLst>
+              </p:cNvPr>
+              <p:cNvPicPr>
+                <a:picLocks noChangeAspect="1"/>
+              </p:cNvPicPr>
+              <p:nvPr/>
+            </p:nvPicPr>
+            <p:blipFill>
+              <a:blip r:embed="rId3"/>
+              <a:stretch>
+                <a:fillRect/>
+              </a:stretch>
+            </p:blipFill>
+            <p:spPr>
+              <a:xfrm>
+                <a:off x="3057182" y="526742"/>
+                <a:ext cx="2593808" cy="5997284"/>
+              </a:xfrm>
+              <a:prstGeom prst="rect">
+                <a:avLst/>
+              </a:prstGeom>
+            </p:spPr>
+          </p:pic>
+          <p:pic>
+            <p:nvPicPr>
+              <p:cNvPr id="11" name="Picture 10">
+                <a:extLst>
+                  <a:ext uri="{FF2B5EF4-FFF2-40B4-BE49-F238E27FC236}">
+                    <a16:creationId xmlns:a16="http://schemas.microsoft.com/office/drawing/2014/main" id="{EE2E05C9-CC21-7846-B8E4-DE293FC9ACF6}"/>
+                  </a:ext>
+                </a:extLst>
+              </p:cNvPr>
+              <p:cNvPicPr>
+                <a:picLocks noChangeAspect="1"/>
+              </p:cNvPicPr>
+              <p:nvPr/>
+            </p:nvPicPr>
+            <p:blipFill>
+              <a:blip r:embed="rId4"/>
+              <a:stretch>
+                <a:fillRect/>
+              </a:stretch>
+            </p:blipFill>
+            <p:spPr>
+              <a:xfrm>
+                <a:off x="2872083" y="452511"/>
+                <a:ext cx="493217" cy="5769613"/>
+              </a:xfrm>
+              <a:prstGeom prst="rect">
+                <a:avLst/>
+              </a:prstGeom>
+            </p:spPr>
+          </p:pic>
+        </p:grpSp>
+        <p:pic>
+          <p:nvPicPr>
+            <p:cNvPr id="4" name="Picture 3">
+              <a:extLst>
+                <a:ext uri="{FF2B5EF4-FFF2-40B4-BE49-F238E27FC236}">
+                  <a16:creationId xmlns:a16="http://schemas.microsoft.com/office/drawing/2014/main" id="{FFBCC273-FF3E-4D48-98C6-F208210BB8B6}"/>
+                </a:ext>
+              </a:extLst>
+            </p:cNvPr>
+            <p:cNvPicPr>
+              <a:picLocks noChangeAspect="1"/>
+            </p:cNvPicPr>
+            <p:nvPr/>
+          </p:nvPicPr>
+          <p:blipFill rotWithShape="1">
+            <a:blip r:embed="rId5"/>
+            <a:srcRect t="45463"/>
+            <a:stretch/>
+          </p:blipFill>
+          <p:spPr>
+            <a:xfrm>
+              <a:off x="4775289" y="359522"/>
+              <a:ext cx="971253" cy="359570"/>
+            </a:xfrm>
+            <a:prstGeom prst="rect">
+              <a:avLst/>
+            </a:prstGeom>
+          </p:spPr>
+        </p:pic>
+        <p:pic>
+          <p:nvPicPr>
+            <p:cNvPr id="14" name="Picture 13">
+              <a:extLst>
+                <a:ext uri="{FF2B5EF4-FFF2-40B4-BE49-F238E27FC236}">
+                  <a16:creationId xmlns:a16="http://schemas.microsoft.com/office/drawing/2014/main" id="{4A263617-A946-DD4F-9426-B694740E2943}"/>
+                </a:ext>
+              </a:extLst>
+            </p:cNvPr>
+            <p:cNvPicPr>
+              <a:picLocks noChangeAspect="1"/>
+            </p:cNvPicPr>
+            <p:nvPr/>
+          </p:nvPicPr>
+          <p:blipFill rotWithShape="1">
+            <a:blip r:embed="rId5"/>
+            <a:srcRect b="55334"/>
+            <a:stretch/>
+          </p:blipFill>
+          <p:spPr>
+            <a:xfrm>
+              <a:off x="3632443" y="327990"/>
+              <a:ext cx="971253" cy="294493"/>
+            </a:xfrm>
+            <a:prstGeom prst="rect">
+              <a:avLst/>
+            </a:prstGeom>
+          </p:spPr>
+        </p:pic>
+        <p:sp>
+          <p:nvSpPr>
+            <p:cNvPr id="19" name="TextBox 18">
+              <a:extLst>
+                <a:ext uri="{FF2B5EF4-FFF2-40B4-BE49-F238E27FC236}">
+                  <a16:creationId xmlns:a16="http://schemas.microsoft.com/office/drawing/2014/main" id="{0D877C66-5E1E-EA47-82B5-7429A663C124}"/>
+                </a:ext>
+              </a:extLst>
+            </p:cNvPr>
+            <p:cNvSpPr txBox="1"/>
+            <p:nvPr/>
+          </p:nvSpPr>
+          <p:spPr>
+            <a:xfrm>
+              <a:off x="3811815" y="554993"/>
+              <a:ext cx="2005796" cy="430887"/>
+            </a:xfrm>
+            <a:prstGeom prst="rect">
+              <a:avLst/>
+            </a:prstGeom>
+            <a:solidFill>
+              <a:schemeClr val="bg1"/>
+            </a:solidFill>
+          </p:spPr>
+          <p:txBody>
+            <a:bodyPr wrap="square" rtlCol="0">
+              <a:spAutoFit/>
+            </a:bodyPr>
+            <a:lstStyle/>
+            <a:p>
+              <a:pPr algn="r"/>
+              <a:r>
+                <a:rPr lang="en-US" sz="1100" i="1" dirty="0">
+                  <a:latin typeface="Arial" panose="020B0604020202020204" pitchFamily="34" charset="0"/>
+                  <a:cs typeface="Arial" panose="020B0604020202020204" pitchFamily="34" charset="0"/>
+                </a:rPr>
+                <a:t>Toona ciliata </a:t>
+              </a:r>
+            </a:p>
+            <a:p>
+              <a:pPr algn="r"/>
+              <a:r>
+                <a:rPr lang="en-US" sz="1100" dirty="0">
+                  <a:latin typeface="Arial" panose="020B0604020202020204" pitchFamily="34" charset="0"/>
+                  <a:cs typeface="Arial" panose="020B0604020202020204" pitchFamily="34" charset="0"/>
+                </a:rPr>
+                <a:t>(Huai Kha Khaeng, Thailand)</a:t>
+              </a:r>
+              <a:endParaRPr lang="en-US" sz="1100" i="1" dirty="0">
+                <a:latin typeface="Arial" panose="020B0604020202020204" pitchFamily="34" charset="0"/>
+                <a:cs typeface="Arial" panose="020B0604020202020204" pitchFamily="34" charset="0"/>
+              </a:endParaRPr>
+            </a:p>
+          </p:txBody>
+        </p:sp>
+        <p:sp>
+          <p:nvSpPr>
+            <p:cNvPr id="20" name="TextBox 19">
+              <a:extLst>
+                <a:ext uri="{FF2B5EF4-FFF2-40B4-BE49-F238E27FC236}">
+                  <a16:creationId xmlns:a16="http://schemas.microsoft.com/office/drawing/2014/main" id="{3F426E98-C547-E540-A95F-DB12468CB656}"/>
+                </a:ext>
+              </a:extLst>
+            </p:cNvPr>
+            <p:cNvSpPr txBox="1"/>
+            <p:nvPr/>
+          </p:nvSpPr>
+          <p:spPr>
+            <a:xfrm>
+              <a:off x="3766342" y="2539373"/>
+              <a:ext cx="2051269" cy="430887"/>
+            </a:xfrm>
+            <a:prstGeom prst="rect">
+              <a:avLst/>
+            </a:prstGeom>
+            <a:solidFill>
+              <a:schemeClr val="bg1"/>
+            </a:solidFill>
+          </p:spPr>
+          <p:txBody>
+            <a:bodyPr wrap="square" rtlCol="0">
+              <a:spAutoFit/>
+            </a:bodyPr>
+            <a:lstStyle/>
+            <a:p>
+              <a:pPr algn="r"/>
+              <a:r>
+                <a:rPr lang="en-US" sz="1100" i="1" dirty="0">
+                  <a:latin typeface="Arial" panose="020B0604020202020204" pitchFamily="34" charset="0"/>
+                  <a:cs typeface="Arial" panose="020B0604020202020204" pitchFamily="34" charset="0"/>
+                </a:rPr>
+                <a:t>Liriodendron tulipifera </a:t>
+              </a:r>
+              <a:r>
+                <a:rPr lang="en-US" sz="1100" dirty="0">
+                  <a:latin typeface="Arial" panose="020B0604020202020204" pitchFamily="34" charset="0"/>
+                  <a:cs typeface="Arial" panose="020B0604020202020204" pitchFamily="34" charset="0"/>
+                </a:rPr>
+                <a:t>(Lilly Dickey Woods, Indiana, USA)</a:t>
+              </a:r>
+              <a:endParaRPr lang="en-US" sz="1100" i="1" dirty="0">
+                <a:latin typeface="Arial" panose="020B0604020202020204" pitchFamily="34" charset="0"/>
+                <a:cs typeface="Arial" panose="020B0604020202020204" pitchFamily="34" charset="0"/>
+              </a:endParaRPr>
+            </a:p>
+          </p:txBody>
+        </p:sp>
+        <p:sp>
+          <p:nvSpPr>
+            <p:cNvPr id="21" name="TextBox 20">
+              <a:extLst>
+                <a:ext uri="{FF2B5EF4-FFF2-40B4-BE49-F238E27FC236}">
+                  <a16:creationId xmlns:a16="http://schemas.microsoft.com/office/drawing/2014/main" id="{00BA7007-6AFD-0341-9827-86B761231326}"/>
+                </a:ext>
+              </a:extLst>
+            </p:cNvPr>
+            <p:cNvSpPr txBox="1"/>
+            <p:nvPr/>
+          </p:nvSpPr>
+          <p:spPr>
+            <a:xfrm>
+              <a:off x="3845707" y="4509735"/>
+              <a:ext cx="1971904" cy="430887"/>
+            </a:xfrm>
+            <a:prstGeom prst="rect">
+              <a:avLst/>
+            </a:prstGeom>
+            <a:solidFill>
+              <a:schemeClr val="bg1"/>
+            </a:solidFill>
+          </p:spPr>
+          <p:txBody>
+            <a:bodyPr wrap="square" rtlCol="0">
+              <a:spAutoFit/>
+            </a:bodyPr>
+            <a:lstStyle/>
+            <a:p>
+              <a:pPr algn="r"/>
+              <a:r>
+                <a:rPr lang="en-US" sz="1100" i="1" dirty="0">
+                  <a:latin typeface="Arial" panose="020B0604020202020204" pitchFamily="34" charset="0"/>
+                  <a:cs typeface="Arial" panose="020B0604020202020204" pitchFamily="34" charset="0"/>
+                </a:rPr>
+                <a:t>Picea pugens </a:t>
+              </a:r>
+              <a:r>
+                <a:rPr lang="en-US" sz="1100" dirty="0">
+                  <a:latin typeface="Arial" panose="020B0604020202020204" pitchFamily="34" charset="0"/>
+                  <a:cs typeface="Arial" panose="020B0604020202020204" pitchFamily="34" charset="0"/>
+                </a:rPr>
+                <a:t>(Cedar Breaks, Utah, USA)</a:t>
+              </a:r>
+              <a:endParaRPr lang="en-US" sz="1100" i="1" dirty="0">
+                <a:latin typeface="Arial" panose="020B0604020202020204" pitchFamily="34" charset="0"/>
+                <a:cs typeface="Arial" panose="020B0604020202020204" pitchFamily="34" charset="0"/>
+              </a:endParaRPr>
+            </a:p>
+          </p:txBody>
+        </p:sp>
+        <p:sp>
+          <p:nvSpPr>
+            <p:cNvPr id="12" name="Rectangle 11">
+              <a:extLst>
+                <a:ext uri="{FF2B5EF4-FFF2-40B4-BE49-F238E27FC236}">
+                  <a16:creationId xmlns:a16="http://schemas.microsoft.com/office/drawing/2014/main" id="{A82AE742-D309-8E44-86DD-19CD6F2FB2A8}"/>
+                </a:ext>
+              </a:extLst>
+            </p:cNvPr>
+            <p:cNvSpPr/>
+            <p:nvPr/>
+          </p:nvSpPr>
+          <p:spPr>
+            <a:xfrm>
+              <a:off x="3380858" y="579013"/>
+              <a:ext cx="385484" cy="243947"/>
+            </a:xfrm>
+            <a:prstGeom prst="rect">
+              <a:avLst/>
+            </a:prstGeom>
+            <a:solidFill>
+              <a:schemeClr val="bg1"/>
+            </a:solidFill>
+            <a:ln>
+              <a:solidFill>
+                <a:schemeClr val="bg1"/>
+              </a:solidFill>
+            </a:ln>
+          </p:spPr>
+          <p:style>
+            <a:lnRef idx="2">
+              <a:schemeClr val="accent1">
+                <a:shade val="50000"/>
+              </a:schemeClr>
+            </a:lnRef>
+            <a:fillRef idx="1">
+              <a:schemeClr val="accent1"/>
+            </a:fillRef>
+            <a:effectRef idx="0">
+              <a:schemeClr val="accent1"/>
+            </a:effectRef>
+            <a:fontRef idx="minor">
+              <a:schemeClr val="lt1"/>
+            </a:fontRef>
+          </p:style>
+          <p:txBody>
+            <a:bodyPr rtlCol="0" anchor="ctr"/>
+            <a:lstStyle/>
+            <a:p>
+              <a:pPr algn="ctr"/>
+              <a:endParaRPr lang="en-US"/>
+            </a:p>
+          </p:txBody>
+        </p:sp>
+        <p:sp>
+          <p:nvSpPr>
+            <p:cNvPr id="22" name="Rectangle 21">
+              <a:extLst>
+                <a:ext uri="{FF2B5EF4-FFF2-40B4-BE49-F238E27FC236}">
+                  <a16:creationId xmlns:a16="http://schemas.microsoft.com/office/drawing/2014/main" id="{8EE3E1A7-7A04-C34A-B43C-C9E64572DA0E}"/>
+                </a:ext>
+              </a:extLst>
+            </p:cNvPr>
+            <p:cNvSpPr/>
+            <p:nvPr/>
+          </p:nvSpPr>
+          <p:spPr>
+            <a:xfrm>
+              <a:off x="3409432" y="2498999"/>
+              <a:ext cx="385484" cy="243947"/>
+            </a:xfrm>
+            <a:prstGeom prst="rect">
+              <a:avLst/>
+            </a:prstGeom>
+            <a:solidFill>
+              <a:schemeClr val="bg1"/>
+            </a:solidFill>
+            <a:ln>
+              <a:solidFill>
+                <a:schemeClr val="bg1"/>
+              </a:solidFill>
+            </a:ln>
+          </p:spPr>
+          <p:style>
+            <a:lnRef idx="2">
+              <a:schemeClr val="accent1">
+                <a:shade val="50000"/>
+              </a:schemeClr>
+            </a:lnRef>
+            <a:fillRef idx="1">
+              <a:schemeClr val="accent1"/>
+            </a:fillRef>
+            <a:effectRef idx="0">
+              <a:schemeClr val="accent1"/>
+            </a:effectRef>
+            <a:fontRef idx="minor">
+              <a:schemeClr val="lt1"/>
+            </a:fontRef>
+          </p:style>
+          <p:txBody>
+            <a:bodyPr rtlCol="0" anchor="ctr"/>
+            <a:lstStyle/>
+            <a:p>
+              <a:pPr algn="ctr"/>
+              <a:endParaRPr lang="en-US"/>
+            </a:p>
+          </p:txBody>
+        </p:sp>
+        <p:sp>
+          <p:nvSpPr>
+            <p:cNvPr id="23" name="Rectangle 22">
+              <a:extLst>
+                <a:ext uri="{FF2B5EF4-FFF2-40B4-BE49-F238E27FC236}">
+                  <a16:creationId xmlns:a16="http://schemas.microsoft.com/office/drawing/2014/main" id="{6B89D76B-EAB7-4641-B058-C86CD77DC9CA}"/>
+                </a:ext>
+              </a:extLst>
+            </p:cNvPr>
+            <p:cNvSpPr/>
+            <p:nvPr/>
+          </p:nvSpPr>
+          <p:spPr>
+            <a:xfrm>
+              <a:off x="3375053" y="4355912"/>
+              <a:ext cx="385484" cy="243947"/>
+            </a:xfrm>
+            <a:prstGeom prst="rect">
+              <a:avLst/>
+            </a:prstGeom>
+            <a:solidFill>
+              <a:schemeClr val="bg1"/>
+            </a:solidFill>
+            <a:ln>
+              <a:solidFill>
+                <a:schemeClr val="bg1"/>
+              </a:solidFill>
+            </a:ln>
+          </p:spPr>
+          <p:style>
+            <a:lnRef idx="2">
+              <a:schemeClr val="accent1">
+                <a:shade val="50000"/>
+              </a:schemeClr>
+            </a:lnRef>
+            <a:fillRef idx="1">
+              <a:schemeClr val="accent1"/>
+            </a:fillRef>
+            <a:effectRef idx="0">
+              <a:schemeClr val="accent1"/>
+            </a:effectRef>
+            <a:fontRef idx="minor">
+              <a:schemeClr val="lt1"/>
+            </a:fontRef>
+          </p:style>
+          <p:txBody>
+            <a:bodyPr rtlCol="0" anchor="ctr"/>
+            <a:lstStyle/>
+            <a:p>
+              <a:pPr algn="ctr"/>
+              <a:endParaRPr lang="en-US"/>
+            </a:p>
+          </p:txBody>
+        </p:sp>
+      </p:grpSp>
+      <p:sp>
+        <p:nvSpPr>
+          <p:cNvPr id="25" name="TextBox 24">
+            <a:extLst>
+              <a:ext uri="{FF2B5EF4-FFF2-40B4-BE49-F238E27FC236}">
+                <a16:creationId xmlns:a16="http://schemas.microsoft.com/office/drawing/2014/main" id="{DEE9E15D-9DDD-4848-86AE-18D8AB12A2D0}"/>
+              </a:ext>
+            </a:extLst>
+          </p:cNvPr>
+          <p:cNvSpPr txBox="1"/>
+          <p:nvPr/>
+        </p:nvSpPr>
         <p:spPr>
           <a:xfrm>
-            <a:off x="4804546" y="264485"/>
-            <a:ext cx="5488456" cy="291751"/>
+            <a:off x="3181570" y="868092"/>
+            <a:ext cx="400110" cy="5230182"/>
           </a:xfrm>
           <a:prstGeom prst="rect">
             <a:avLst/>
           </a:prstGeom>
+          <a:solidFill>
+            <a:schemeClr val="bg1"/>
+          </a:solidFill>
         </p:spPr>
-      </p:pic>
+        <p:txBody>
+          <a:bodyPr vert="vert270" wrap="square" rtlCol="0">
+            <a:spAutoFit/>
+          </a:bodyPr>
+          <a:lstStyle/>
+          <a:p>
+            <a:pPr algn="ctr"/>
+            <a:r>
+              <a:rPr lang="en-US" sz="1400" b="1" dirty="0">
+                <a:latin typeface="Arial" panose="020B0604020202020204" pitchFamily="34" charset="0"/>
+                <a:cs typeface="Arial" panose="020B0604020202020204" pitchFamily="34" charset="0"/>
+              </a:rPr>
+              <a:t>Ring width (mm)</a:t>
+            </a:r>
+          </a:p>
+        </p:txBody>
+      </p:sp>
       <p:sp>
         <p:nvSpPr>
           <p:cNvPr id="9" name="TextBox 8">
@@ -3530,7 +4097,7 @@
         </p:nvSpPr>
         <p:spPr>
           <a:xfrm>
-            <a:off x="2887042" y="92467"/>
+            <a:off x="3284440" y="332738"/>
             <a:ext cx="585627" cy="369332"/>
           </a:xfrm>
           <a:prstGeom prst="rect">
@@ -3565,7 +4132,7 @@
         </p:nvSpPr>
         <p:spPr>
           <a:xfrm>
-            <a:off x="5868426" y="62183"/>
+            <a:off x="6051355" y="332738"/>
             <a:ext cx="585627" cy="369332"/>
           </a:xfrm>
           <a:prstGeom prst="rect">
@@ -3586,320 +4153,10 @@
           </a:p>
         </p:txBody>
       </p:sp>
-      <p:pic>
-        <p:nvPicPr>
-          <p:cNvPr id="4" name="Picture 3">
-            <a:extLst>
-              <a:ext uri="{FF2B5EF4-FFF2-40B4-BE49-F238E27FC236}">
-                <a16:creationId xmlns:a16="http://schemas.microsoft.com/office/drawing/2014/main" id="{FFBCC273-FF3E-4D48-98C6-F208210BB8B6}"/>
-              </a:ext>
-            </a:extLst>
-          </p:cNvPr>
-          <p:cNvPicPr>
-            <a:picLocks noChangeAspect="1"/>
-          </p:cNvPicPr>
-          <p:nvPr/>
-        </p:nvPicPr>
-        <p:blipFill rotWithShape="1">
-          <a:blip r:embed="rId5"/>
-          <a:srcRect t="45463"/>
-          <a:stretch/>
-        </p:blipFill>
-        <p:spPr>
-          <a:xfrm>
-            <a:off x="4425718" y="169973"/>
-            <a:ext cx="971253" cy="359570"/>
-          </a:xfrm>
-          <a:prstGeom prst="rect">
-            <a:avLst/>
-          </a:prstGeom>
-        </p:spPr>
-      </p:pic>
-      <p:pic>
-        <p:nvPicPr>
-          <p:cNvPr id="14" name="Picture 13">
-            <a:extLst>
-              <a:ext uri="{FF2B5EF4-FFF2-40B4-BE49-F238E27FC236}">
-                <a16:creationId xmlns:a16="http://schemas.microsoft.com/office/drawing/2014/main" id="{4A263617-A946-DD4F-9426-B694740E2943}"/>
-              </a:ext>
-            </a:extLst>
-          </p:cNvPr>
-          <p:cNvPicPr>
-            <a:picLocks noChangeAspect="1"/>
-          </p:cNvPicPr>
-          <p:nvPr/>
-        </p:nvPicPr>
-        <p:blipFill rotWithShape="1">
-          <a:blip r:embed="rId5"/>
-          <a:srcRect b="55334"/>
-          <a:stretch/>
-        </p:blipFill>
-        <p:spPr>
-          <a:xfrm>
-            <a:off x="3351455" y="129886"/>
-            <a:ext cx="971253" cy="294493"/>
-          </a:xfrm>
-          <a:prstGeom prst="rect">
-            <a:avLst/>
-          </a:prstGeom>
-        </p:spPr>
-      </p:pic>
     </p:spTree>
     <p:extLst>
       <p:ext uri="{BB962C8B-B14F-4D97-AF65-F5344CB8AC3E}">
         <p14:creationId xmlns:p14="http://schemas.microsoft.com/office/powerpoint/2010/main" val="3354285721"/>
-      </p:ext>
-    </p:extLst>
-  </p:cSld>
-  <p:clrMapOvr>
-    <a:masterClrMapping/>
-  </p:clrMapOvr>
-</p:sld>
-</file>
-
-<file path=ppt/slides/slide2.xml><?xml version="1.0" encoding="utf-8"?>
-<p:sld xmlns:a="http://schemas.openxmlformats.org/drawingml/2006/main" xmlns:r="http://schemas.openxmlformats.org/officeDocument/2006/relationships" xmlns:p="http://schemas.openxmlformats.org/presentationml/2006/main">
-  <p:cSld>
-    <p:spTree>
-      <p:nvGrpSpPr>
-        <p:cNvPr id="1" name=""/>
-        <p:cNvGrpSpPr/>
-        <p:nvPr/>
-      </p:nvGrpSpPr>
-      <p:grpSpPr>
-        <a:xfrm>
-          <a:off x="0" y="0"/>
-          <a:ext cx="0" cy="0"/>
-          <a:chOff x="0" y="0"/>
-          <a:chExt cx="0" cy="0"/>
-        </a:xfrm>
-      </p:grpSpPr>
-      <p:pic>
-        <p:nvPicPr>
-          <p:cNvPr id="5" name="Picture 4">
-            <a:extLst>
-              <a:ext uri="{FF2B5EF4-FFF2-40B4-BE49-F238E27FC236}">
-                <a16:creationId xmlns:a16="http://schemas.microsoft.com/office/drawing/2014/main" id="{FE611730-67A8-7D4F-97A7-EE251516BF55}"/>
-              </a:ext>
-            </a:extLst>
-          </p:cNvPr>
-          <p:cNvPicPr>
-            <a:picLocks noChangeAspect="1"/>
-          </p:cNvPicPr>
-          <p:nvPr/>
-        </p:nvPicPr>
-        <p:blipFill rotWithShape="1">
-          <a:blip r:embed="rId2"/>
-          <a:srcRect l="87144"/>
-          <a:stretch/>
-        </p:blipFill>
-        <p:spPr>
-          <a:xfrm>
-            <a:off x="8979613" y="0"/>
-            <a:ext cx="998077" cy="6858000"/>
-          </a:xfrm>
-          <a:prstGeom prst="rect">
-            <a:avLst/>
-          </a:prstGeom>
-        </p:spPr>
-      </p:pic>
-      <p:pic>
-        <p:nvPicPr>
-          <p:cNvPr id="6" name="Picture 5">
-            <a:extLst>
-              <a:ext uri="{FF2B5EF4-FFF2-40B4-BE49-F238E27FC236}">
-                <a16:creationId xmlns:a16="http://schemas.microsoft.com/office/drawing/2014/main" id="{53BA53F9-4AF6-884F-8FC7-081B84DF87D4}"/>
-              </a:ext>
-            </a:extLst>
-          </p:cNvPr>
-          <p:cNvPicPr>
-            <a:picLocks noChangeAspect="1"/>
-          </p:cNvPicPr>
-          <p:nvPr/>
-        </p:nvPicPr>
-        <p:blipFill rotWithShape="1">
-          <a:blip r:embed="rId2"/>
-          <a:srcRect t="6017" r="61271"/>
-          <a:stretch/>
-        </p:blipFill>
-        <p:spPr>
-          <a:xfrm>
-            <a:off x="5972938" y="412679"/>
-            <a:ext cx="3006675" cy="6445321"/>
-          </a:xfrm>
-          <a:prstGeom prst="rect">
-            <a:avLst/>
-          </a:prstGeom>
-        </p:spPr>
-      </p:pic>
-      <p:pic>
-        <p:nvPicPr>
-          <p:cNvPr id="7" name="Picture 6">
-            <a:extLst>
-              <a:ext uri="{FF2B5EF4-FFF2-40B4-BE49-F238E27FC236}">
-                <a16:creationId xmlns:a16="http://schemas.microsoft.com/office/drawing/2014/main" id="{3312E9D9-3EB4-C043-9025-BC9CACAC40FF}"/>
-              </a:ext>
-            </a:extLst>
-          </p:cNvPr>
-          <p:cNvPicPr>
-            <a:picLocks noChangeAspect="1"/>
-          </p:cNvPicPr>
-          <p:nvPr/>
-        </p:nvPicPr>
-        <p:blipFill rotWithShape="1">
-          <a:blip r:embed="rId2"/>
-          <a:srcRect b="93983"/>
-          <a:stretch/>
-        </p:blipFill>
-        <p:spPr>
-          <a:xfrm>
-            <a:off x="4104754" y="0"/>
-            <a:ext cx="7763381" cy="412679"/>
-          </a:xfrm>
-          <a:prstGeom prst="rect">
-            <a:avLst/>
-          </a:prstGeom>
-        </p:spPr>
-      </p:pic>
-      <p:pic>
-        <p:nvPicPr>
-          <p:cNvPr id="8" name="Picture 7">
-            <a:extLst>
-              <a:ext uri="{FF2B5EF4-FFF2-40B4-BE49-F238E27FC236}">
-                <a16:creationId xmlns:a16="http://schemas.microsoft.com/office/drawing/2014/main" id="{68AECDC0-9FE6-4A4A-ABDA-F49012FC44AA}"/>
-              </a:ext>
-            </a:extLst>
-          </p:cNvPr>
-          <p:cNvPicPr>
-            <a:picLocks noChangeAspect="1"/>
-          </p:cNvPicPr>
-          <p:nvPr/>
-        </p:nvPicPr>
-        <p:blipFill>
-          <a:blip r:embed="rId3"/>
-          <a:stretch>
-            <a:fillRect/>
-          </a:stretch>
-        </p:blipFill>
-        <p:spPr>
-          <a:xfrm>
-            <a:off x="3075344" y="263371"/>
-            <a:ext cx="2414712" cy="6331257"/>
-          </a:xfrm>
-          <a:prstGeom prst="rect">
-            <a:avLst/>
-          </a:prstGeom>
-        </p:spPr>
-      </p:pic>
-      <p:sp>
-        <p:nvSpPr>
-          <p:cNvPr id="9" name="TextBox 8">
-            <a:extLst>
-              <a:ext uri="{FF2B5EF4-FFF2-40B4-BE49-F238E27FC236}">
-                <a16:creationId xmlns:a16="http://schemas.microsoft.com/office/drawing/2014/main" id="{B0827302-ED15-364A-8A71-CC8F545A9A0E}"/>
-              </a:ext>
-            </a:extLst>
-          </p:cNvPr>
-          <p:cNvSpPr txBox="1"/>
-          <p:nvPr/>
-        </p:nvSpPr>
-        <p:spPr>
-          <a:xfrm>
-            <a:off x="2887042" y="92467"/>
-            <a:ext cx="585627" cy="369332"/>
-          </a:xfrm>
-          <a:prstGeom prst="rect">
-            <a:avLst/>
-          </a:prstGeom>
-          <a:noFill/>
-        </p:spPr>
-        <p:txBody>
-          <a:bodyPr wrap="square" rtlCol="0">
-            <a:spAutoFit/>
-          </a:bodyPr>
-          <a:lstStyle/>
-          <a:p>
-            <a:r>
-              <a:rPr lang="en-US" dirty="0"/>
-              <a:t>(a)</a:t>
-            </a:r>
-          </a:p>
-        </p:txBody>
-      </p:sp>
-      <p:sp>
-        <p:nvSpPr>
-          <p:cNvPr id="10" name="TextBox 9">
-            <a:extLst>
-              <a:ext uri="{FF2B5EF4-FFF2-40B4-BE49-F238E27FC236}">
-                <a16:creationId xmlns:a16="http://schemas.microsoft.com/office/drawing/2014/main" id="{0646AA13-0A84-AA43-B437-D822EA3680E2}"/>
-              </a:ext>
-            </a:extLst>
-          </p:cNvPr>
-          <p:cNvSpPr txBox="1"/>
-          <p:nvPr/>
-        </p:nvSpPr>
-        <p:spPr>
-          <a:xfrm>
-            <a:off x="5868426" y="62183"/>
-            <a:ext cx="585627" cy="369332"/>
-          </a:xfrm>
-          <a:prstGeom prst="rect">
-            <a:avLst/>
-          </a:prstGeom>
-          <a:noFill/>
-        </p:spPr>
-        <p:txBody>
-          <a:bodyPr wrap="square" rtlCol="0">
-            <a:spAutoFit/>
-          </a:bodyPr>
-          <a:lstStyle/>
-          <a:p>
-            <a:r>
-              <a:rPr lang="en-US" dirty="0"/>
-              <a:t>(b)</a:t>
-            </a:r>
-          </a:p>
-        </p:txBody>
-      </p:sp>
-      <p:sp>
-        <p:nvSpPr>
-          <p:cNvPr id="12" name="TextBox 11">
-            <a:extLst>
-              <a:ext uri="{FF2B5EF4-FFF2-40B4-BE49-F238E27FC236}">
-                <a16:creationId xmlns:a16="http://schemas.microsoft.com/office/drawing/2014/main" id="{EF171489-4E1C-164F-BBA6-36EF57C71C9C}"/>
-              </a:ext>
-            </a:extLst>
-          </p:cNvPr>
-          <p:cNvSpPr txBox="1"/>
-          <p:nvPr/>
-        </p:nvSpPr>
-        <p:spPr>
-          <a:xfrm>
-            <a:off x="3380303" y="78705"/>
-            <a:ext cx="1948739" cy="369332"/>
-          </a:xfrm>
-          <a:prstGeom prst="rect">
-            <a:avLst/>
-          </a:prstGeom>
-          <a:noFill/>
-        </p:spPr>
-        <p:txBody>
-          <a:bodyPr wrap="none" rtlCol="0">
-            <a:spAutoFit/>
-          </a:bodyPr>
-          <a:lstStyle/>
-          <a:p>
-            <a:r>
-              <a:rPr lang="en-US" dirty="0"/>
-              <a:t>Drought responses</a:t>
-            </a:r>
-          </a:p>
-        </p:txBody>
-      </p:sp>
-    </p:spTree>
-    <p:extLst>
-      <p:ext uri="{BB962C8B-B14F-4D97-AF65-F5344CB8AC3E}">
-        <p14:creationId xmlns:p14="http://schemas.microsoft.com/office/powerpoint/2010/main" val="3054049084"/>
       </p:ext>
     </p:extLst>
   </p:cSld>

--- a/tree_rings/draft_tree-rings_fig.pptx
+++ b/tree_rings/draft_tree-rings_fig.pptx
@@ -3811,14 +3811,17 @@
                   <a:latin typeface="Arial" panose="020B0604020202020204" pitchFamily="34" charset="0"/>
                   <a:cs typeface="Arial" panose="020B0604020202020204" pitchFamily="34" charset="0"/>
                 </a:rPr>
-                <a:t>Liriodendron tulipifera </a:t>
+                <a:t>Liriodendron tulipifera</a:t>
               </a:r>
+            </a:p>
+            <a:p>
+              <a:pPr algn="r"/>
               <a:r>
                 <a:rPr lang="en-US" sz="1100" dirty="0">
                   <a:latin typeface="Arial" panose="020B0604020202020204" pitchFamily="34" charset="0"/>
                   <a:cs typeface="Arial" panose="020B0604020202020204" pitchFamily="34" charset="0"/>
                 </a:rPr>
-                <a:t>(Lilly Dickey Woods, Indiana, USA)</a:t>
+                <a:t>(Lilly Dickey Woods, IN, USA)</a:t>
               </a:r>
               <a:endParaRPr lang="en-US" sz="1100" i="1" dirty="0">
                 <a:latin typeface="Arial" panose="020B0604020202020204" pitchFamily="34" charset="0"/>
@@ -3863,8 +3866,11 @@
                   <a:latin typeface="Arial" panose="020B0604020202020204" pitchFamily="34" charset="0"/>
                   <a:cs typeface="Arial" panose="020B0604020202020204" pitchFamily="34" charset="0"/>
                 </a:rPr>
-                <a:t>Picea pugens </a:t>
+                <a:t>Picea pugens</a:t>
               </a:r>
+            </a:p>
+            <a:p>
+              <a:pPr algn="r"/>
               <a:r>
                 <a:rPr lang="en-US" sz="1100" dirty="0">
                   <a:latin typeface="Arial" panose="020B0604020202020204" pitchFamily="34" charset="0"/>

--- a/tree_rings/draft_tree-rings_fig.pptx
+++ b/tree_rings/draft_tree-rings_fig.pptx
@@ -259,7 +259,7 @@
           <a:p>
             <a:fld id="{9AC9D009-A162-6A40-891D-8D8CF52D647B}" type="datetimeFigureOut">
               <a:rPr lang="en-US" smtClean="0"/>
-              <a:t>8/9/21</a:t>
+              <a:t>2/18/22</a:t>
             </a:fld>
             <a:endParaRPr lang="en-US"/>
           </a:p>
@@ -457,7 +457,7 @@
           <a:p>
             <a:fld id="{9AC9D009-A162-6A40-891D-8D8CF52D647B}" type="datetimeFigureOut">
               <a:rPr lang="en-US" smtClean="0"/>
-              <a:t>8/9/21</a:t>
+              <a:t>2/18/22</a:t>
             </a:fld>
             <a:endParaRPr lang="en-US"/>
           </a:p>
@@ -665,7 +665,7 @@
           <a:p>
             <a:fld id="{9AC9D009-A162-6A40-891D-8D8CF52D647B}" type="datetimeFigureOut">
               <a:rPr lang="en-US" smtClean="0"/>
-              <a:t>8/9/21</a:t>
+              <a:t>2/18/22</a:t>
             </a:fld>
             <a:endParaRPr lang="en-US"/>
           </a:p>
@@ -863,7 +863,7 @@
           <a:p>
             <a:fld id="{9AC9D009-A162-6A40-891D-8D8CF52D647B}" type="datetimeFigureOut">
               <a:rPr lang="en-US" smtClean="0"/>
-              <a:t>8/9/21</a:t>
+              <a:t>2/18/22</a:t>
             </a:fld>
             <a:endParaRPr lang="en-US"/>
           </a:p>
@@ -1138,7 +1138,7 @@
           <a:p>
             <a:fld id="{9AC9D009-A162-6A40-891D-8D8CF52D647B}" type="datetimeFigureOut">
               <a:rPr lang="en-US" smtClean="0"/>
-              <a:t>8/9/21</a:t>
+              <a:t>2/18/22</a:t>
             </a:fld>
             <a:endParaRPr lang="en-US"/>
           </a:p>
@@ -1403,7 +1403,7 @@
           <a:p>
             <a:fld id="{9AC9D009-A162-6A40-891D-8D8CF52D647B}" type="datetimeFigureOut">
               <a:rPr lang="en-US" smtClean="0"/>
-              <a:t>8/9/21</a:t>
+              <a:t>2/18/22</a:t>
             </a:fld>
             <a:endParaRPr lang="en-US"/>
           </a:p>
@@ -1815,7 +1815,7 @@
           <a:p>
             <a:fld id="{9AC9D009-A162-6A40-891D-8D8CF52D647B}" type="datetimeFigureOut">
               <a:rPr lang="en-US" smtClean="0"/>
-              <a:t>8/9/21</a:t>
+              <a:t>2/18/22</a:t>
             </a:fld>
             <a:endParaRPr lang="en-US"/>
           </a:p>
@@ -1956,7 +1956,7 @@
           <a:p>
             <a:fld id="{9AC9D009-A162-6A40-891D-8D8CF52D647B}" type="datetimeFigureOut">
               <a:rPr lang="en-US" smtClean="0"/>
-              <a:t>8/9/21</a:t>
+              <a:t>2/18/22</a:t>
             </a:fld>
             <a:endParaRPr lang="en-US"/>
           </a:p>
@@ -2069,7 +2069,7 @@
           <a:p>
             <a:fld id="{9AC9D009-A162-6A40-891D-8D8CF52D647B}" type="datetimeFigureOut">
               <a:rPr lang="en-US" smtClean="0"/>
-              <a:t>8/9/21</a:t>
+              <a:t>2/18/22</a:t>
             </a:fld>
             <a:endParaRPr lang="en-US"/>
           </a:p>
@@ -2380,7 +2380,7 @@
           <a:p>
             <a:fld id="{9AC9D009-A162-6A40-891D-8D8CF52D647B}" type="datetimeFigureOut">
               <a:rPr lang="en-US" smtClean="0"/>
-              <a:t>8/9/21</a:t>
+              <a:t>2/18/22</a:t>
             </a:fld>
             <a:endParaRPr lang="en-US"/>
           </a:p>
@@ -2668,7 +2668,7 @@
           <a:p>
             <a:fld id="{9AC9D009-A162-6A40-891D-8D8CF52D647B}" type="datetimeFigureOut">
               <a:rPr lang="en-US" smtClean="0"/>
-              <a:t>8/9/21</a:t>
+              <a:t>2/18/22</a:t>
             </a:fld>
             <a:endParaRPr lang="en-US"/>
           </a:p>
@@ -2909,7 +2909,7 @@
           <a:p>
             <a:fld id="{9AC9D009-A162-6A40-891D-8D8CF52D647B}" type="datetimeFigureOut">
               <a:rPr lang="en-US" smtClean="0"/>
-              <a:t>8/9/21</a:t>
+              <a:t>2/18/22</a:t>
             </a:fld>
             <a:endParaRPr lang="en-US"/>
           </a:p>
@@ -3328,10 +3328,10 @@
       </p:grpSpPr>
       <p:pic>
         <p:nvPicPr>
-          <p:cNvPr id="7" name="Picture 6">
-            <a:extLst>
-              <a:ext uri="{FF2B5EF4-FFF2-40B4-BE49-F238E27FC236}">
-                <a16:creationId xmlns:a16="http://schemas.microsoft.com/office/drawing/2014/main" id="{3312E9D9-3EB4-C043-9025-BC9CACAC40FF}"/>
+          <p:cNvPr id="5" name="Picture 4">
+            <a:extLst>
+              <a:ext uri="{FF2B5EF4-FFF2-40B4-BE49-F238E27FC236}">
+                <a16:creationId xmlns:a16="http://schemas.microsoft.com/office/drawing/2014/main" id="{C937D58B-552D-DF4F-866F-045C665DED34}"/>
               </a:ext>
             </a:extLst>
           </p:cNvPr>
@@ -3342,6 +3342,35 @@
         </p:nvPicPr>
         <p:blipFill rotWithShape="1">
           <a:blip r:embed="rId2"/>
+          <a:srcRect t="4936"/>
+          <a:stretch/>
+        </p:blipFill>
+        <p:spPr>
+          <a:xfrm>
+            <a:off x="3137338" y="320351"/>
+            <a:ext cx="3201931" cy="6087745"/>
+          </a:xfrm>
+          <a:prstGeom prst="rect">
+            <a:avLst/>
+          </a:prstGeom>
+        </p:spPr>
+      </p:pic>
+      <p:pic>
+        <p:nvPicPr>
+          <p:cNvPr id="7" name="Picture 6">
+            <a:extLst>
+              <a:ext uri="{FF2B5EF4-FFF2-40B4-BE49-F238E27FC236}">
+                <a16:creationId xmlns:a16="http://schemas.microsoft.com/office/drawing/2014/main" id="{3312E9D9-3EB4-C043-9025-BC9CACAC40FF}"/>
+              </a:ext>
+            </a:extLst>
+          </p:cNvPr>
+          <p:cNvPicPr>
+            <a:picLocks noChangeAspect="1"/>
+          </p:cNvPicPr>
+          <p:nvPr/>
+        </p:nvPicPr>
+        <p:blipFill rotWithShape="1">
+          <a:blip r:embed="rId3"/>
           <a:srcRect l="26594" t="-36" r="21318" b="94374"/>
           <a:stretch/>
         </p:blipFill>
@@ -3369,10 +3398,10 @@
         </p:nvGrpSpPr>
         <p:grpSpPr>
           <a:xfrm>
-            <a:off x="6002978" y="672680"/>
-            <a:ext cx="2672723" cy="5808062"/>
-            <a:chOff x="5877461" y="713163"/>
-            <a:chExt cx="2672723" cy="5808062"/>
+            <a:off x="6249095" y="672680"/>
+            <a:ext cx="2426606" cy="5808062"/>
+            <a:chOff x="6123578" y="713163"/>
+            <a:chExt cx="2426606" cy="5808062"/>
           </a:xfrm>
         </p:grpSpPr>
         <p:pic>
@@ -3390,14 +3419,14 @@
             <p:nvPr/>
           </p:nvPicPr>
           <p:blipFill rotWithShape="1">
-            <a:blip r:embed="rId2"/>
-            <a:srcRect t="6017" r="61271"/>
+            <a:blip r:embed="rId3"/>
+            <a:srcRect l="3567" t="6017" r="61271"/>
             <a:stretch/>
           </p:blipFill>
           <p:spPr>
             <a:xfrm>
-              <a:off x="5877461" y="713163"/>
-              <a:ext cx="2672723" cy="5808062"/>
+              <a:off x="6123578" y="713163"/>
+              <a:ext cx="2426606" cy="5808062"/>
             </a:xfrm>
             <a:prstGeom prst="rect">
               <a:avLst/>
@@ -3561,499 +3590,12 @@
           </p:txBody>
         </p:sp>
       </p:grpSp>
-      <p:grpSp>
-        <p:nvGrpSpPr>
-          <p:cNvPr id="24" name="Group 23">
-            <a:extLst>
-              <a:ext uri="{FF2B5EF4-FFF2-40B4-BE49-F238E27FC236}">
-                <a16:creationId xmlns:a16="http://schemas.microsoft.com/office/drawing/2014/main" id="{0DF87A08-CF4F-DF47-BF71-D896ECFA42BD}"/>
-              </a:ext>
-            </a:extLst>
-          </p:cNvPr>
-          <p:cNvGrpSpPr/>
-          <p:nvPr/>
-        </p:nvGrpSpPr>
-        <p:grpSpPr>
-          <a:xfrm>
-            <a:off x="3375053" y="327990"/>
-            <a:ext cx="2499707" cy="6059086"/>
-            <a:chOff x="3375053" y="327990"/>
-            <a:chExt cx="2499707" cy="6059086"/>
-          </a:xfrm>
-        </p:grpSpPr>
-        <p:grpSp>
-          <p:nvGrpSpPr>
-            <p:cNvPr id="13" name="Group 12">
-              <a:extLst>
-                <a:ext uri="{FF2B5EF4-FFF2-40B4-BE49-F238E27FC236}">
-                  <a16:creationId xmlns:a16="http://schemas.microsoft.com/office/drawing/2014/main" id="{A2EA54E4-48D5-0A47-91FA-A8109CC4D6B1}"/>
-                </a:ext>
-              </a:extLst>
-            </p:cNvPr>
-            <p:cNvGrpSpPr/>
-            <p:nvPr/>
-          </p:nvGrpSpPr>
-          <p:grpSpPr>
-            <a:xfrm>
-              <a:off x="3380858" y="579013"/>
-              <a:ext cx="2493902" cy="5808063"/>
-              <a:chOff x="2872083" y="452511"/>
-              <a:chExt cx="2778907" cy="6071515"/>
-            </a:xfrm>
-          </p:grpSpPr>
-          <p:pic>
-            <p:nvPicPr>
-              <p:cNvPr id="3" name="Picture 2">
-                <a:extLst>
-                  <a:ext uri="{FF2B5EF4-FFF2-40B4-BE49-F238E27FC236}">
-                    <a16:creationId xmlns:a16="http://schemas.microsoft.com/office/drawing/2014/main" id="{02518B8B-73CC-9743-B192-CB3306D5EFE9}"/>
-                  </a:ext>
-                </a:extLst>
-              </p:cNvPr>
-              <p:cNvPicPr>
-                <a:picLocks noChangeAspect="1"/>
-              </p:cNvPicPr>
-              <p:nvPr/>
-            </p:nvPicPr>
-            <p:blipFill>
-              <a:blip r:embed="rId3"/>
-              <a:stretch>
-                <a:fillRect/>
-              </a:stretch>
-            </p:blipFill>
-            <p:spPr>
-              <a:xfrm>
-                <a:off x="3057182" y="526742"/>
-                <a:ext cx="2593808" cy="5997284"/>
-              </a:xfrm>
-              <a:prstGeom prst="rect">
-                <a:avLst/>
-              </a:prstGeom>
-            </p:spPr>
-          </p:pic>
-          <p:pic>
-            <p:nvPicPr>
-              <p:cNvPr id="11" name="Picture 10">
-                <a:extLst>
-                  <a:ext uri="{FF2B5EF4-FFF2-40B4-BE49-F238E27FC236}">
-                    <a16:creationId xmlns:a16="http://schemas.microsoft.com/office/drawing/2014/main" id="{EE2E05C9-CC21-7846-B8E4-DE293FC9ACF6}"/>
-                  </a:ext>
-                </a:extLst>
-              </p:cNvPr>
-              <p:cNvPicPr>
-                <a:picLocks noChangeAspect="1"/>
-              </p:cNvPicPr>
-              <p:nvPr/>
-            </p:nvPicPr>
-            <p:blipFill>
-              <a:blip r:embed="rId4"/>
-              <a:stretch>
-                <a:fillRect/>
-              </a:stretch>
-            </p:blipFill>
-            <p:spPr>
-              <a:xfrm>
-                <a:off x="2872083" y="452511"/>
-                <a:ext cx="493217" cy="5769613"/>
-              </a:xfrm>
-              <a:prstGeom prst="rect">
-                <a:avLst/>
-              </a:prstGeom>
-            </p:spPr>
-          </p:pic>
-        </p:grpSp>
-        <p:pic>
-          <p:nvPicPr>
-            <p:cNvPr id="4" name="Picture 3">
-              <a:extLst>
-                <a:ext uri="{FF2B5EF4-FFF2-40B4-BE49-F238E27FC236}">
-                  <a16:creationId xmlns:a16="http://schemas.microsoft.com/office/drawing/2014/main" id="{FFBCC273-FF3E-4D48-98C6-F208210BB8B6}"/>
-                </a:ext>
-              </a:extLst>
-            </p:cNvPr>
-            <p:cNvPicPr>
-              <a:picLocks noChangeAspect="1"/>
-            </p:cNvPicPr>
-            <p:nvPr/>
-          </p:nvPicPr>
-          <p:blipFill rotWithShape="1">
-            <a:blip r:embed="rId5"/>
-            <a:srcRect t="45463"/>
-            <a:stretch/>
-          </p:blipFill>
-          <p:spPr>
-            <a:xfrm>
-              <a:off x="4775289" y="359522"/>
-              <a:ext cx="971253" cy="359570"/>
-            </a:xfrm>
-            <a:prstGeom prst="rect">
-              <a:avLst/>
-            </a:prstGeom>
-          </p:spPr>
-        </p:pic>
-        <p:pic>
-          <p:nvPicPr>
-            <p:cNvPr id="14" name="Picture 13">
-              <a:extLst>
-                <a:ext uri="{FF2B5EF4-FFF2-40B4-BE49-F238E27FC236}">
-                  <a16:creationId xmlns:a16="http://schemas.microsoft.com/office/drawing/2014/main" id="{4A263617-A946-DD4F-9426-B694740E2943}"/>
-                </a:ext>
-              </a:extLst>
-            </p:cNvPr>
-            <p:cNvPicPr>
-              <a:picLocks noChangeAspect="1"/>
-            </p:cNvPicPr>
-            <p:nvPr/>
-          </p:nvPicPr>
-          <p:blipFill rotWithShape="1">
-            <a:blip r:embed="rId5"/>
-            <a:srcRect b="55334"/>
-            <a:stretch/>
-          </p:blipFill>
-          <p:spPr>
-            <a:xfrm>
-              <a:off x="3632443" y="327990"/>
-              <a:ext cx="971253" cy="294493"/>
-            </a:xfrm>
-            <a:prstGeom prst="rect">
-              <a:avLst/>
-            </a:prstGeom>
-          </p:spPr>
-        </p:pic>
-        <p:sp>
-          <p:nvSpPr>
-            <p:cNvPr id="19" name="TextBox 18">
-              <a:extLst>
-                <a:ext uri="{FF2B5EF4-FFF2-40B4-BE49-F238E27FC236}">
-                  <a16:creationId xmlns:a16="http://schemas.microsoft.com/office/drawing/2014/main" id="{0D877C66-5E1E-EA47-82B5-7429A663C124}"/>
-                </a:ext>
-              </a:extLst>
-            </p:cNvPr>
-            <p:cNvSpPr txBox="1"/>
-            <p:nvPr/>
-          </p:nvSpPr>
-          <p:spPr>
-            <a:xfrm>
-              <a:off x="3811815" y="554993"/>
-              <a:ext cx="2005796" cy="430887"/>
-            </a:xfrm>
-            <a:prstGeom prst="rect">
-              <a:avLst/>
-            </a:prstGeom>
-            <a:solidFill>
-              <a:schemeClr val="bg1"/>
-            </a:solidFill>
-          </p:spPr>
-          <p:txBody>
-            <a:bodyPr wrap="square" rtlCol="0">
-              <a:spAutoFit/>
-            </a:bodyPr>
-            <a:lstStyle/>
-            <a:p>
-              <a:pPr algn="r"/>
-              <a:r>
-                <a:rPr lang="en-US" sz="1100" i="1" dirty="0">
-                  <a:latin typeface="Arial" panose="020B0604020202020204" pitchFamily="34" charset="0"/>
-                  <a:cs typeface="Arial" panose="020B0604020202020204" pitchFamily="34" charset="0"/>
-                </a:rPr>
-                <a:t>Toona ciliata </a:t>
-              </a:r>
-            </a:p>
-            <a:p>
-              <a:pPr algn="r"/>
-              <a:r>
-                <a:rPr lang="en-US" sz="1100" dirty="0">
-                  <a:latin typeface="Arial" panose="020B0604020202020204" pitchFamily="34" charset="0"/>
-                  <a:cs typeface="Arial" panose="020B0604020202020204" pitchFamily="34" charset="0"/>
-                </a:rPr>
-                <a:t>(Huai Kha Khaeng, Thailand)</a:t>
-              </a:r>
-              <a:endParaRPr lang="en-US" sz="1100" i="1" dirty="0">
-                <a:latin typeface="Arial" panose="020B0604020202020204" pitchFamily="34" charset="0"/>
-                <a:cs typeface="Arial" panose="020B0604020202020204" pitchFamily="34" charset="0"/>
-              </a:endParaRPr>
-            </a:p>
-          </p:txBody>
-        </p:sp>
-        <p:sp>
-          <p:nvSpPr>
-            <p:cNvPr id="20" name="TextBox 19">
-              <a:extLst>
-                <a:ext uri="{FF2B5EF4-FFF2-40B4-BE49-F238E27FC236}">
-                  <a16:creationId xmlns:a16="http://schemas.microsoft.com/office/drawing/2014/main" id="{3F426E98-C547-E540-A95F-DB12468CB656}"/>
-                </a:ext>
-              </a:extLst>
-            </p:cNvPr>
-            <p:cNvSpPr txBox="1"/>
-            <p:nvPr/>
-          </p:nvSpPr>
-          <p:spPr>
-            <a:xfrm>
-              <a:off x="3766342" y="2539373"/>
-              <a:ext cx="2051269" cy="430887"/>
-            </a:xfrm>
-            <a:prstGeom prst="rect">
-              <a:avLst/>
-            </a:prstGeom>
-            <a:solidFill>
-              <a:schemeClr val="bg1"/>
-            </a:solidFill>
-          </p:spPr>
-          <p:txBody>
-            <a:bodyPr wrap="square" rtlCol="0">
-              <a:spAutoFit/>
-            </a:bodyPr>
-            <a:lstStyle/>
-            <a:p>
-              <a:pPr algn="r"/>
-              <a:r>
-                <a:rPr lang="en-US" sz="1100" i="1" dirty="0">
-                  <a:latin typeface="Arial" panose="020B0604020202020204" pitchFamily="34" charset="0"/>
-                  <a:cs typeface="Arial" panose="020B0604020202020204" pitchFamily="34" charset="0"/>
-                </a:rPr>
-                <a:t>Liriodendron tulipifera</a:t>
-              </a:r>
-            </a:p>
-            <a:p>
-              <a:pPr algn="r"/>
-              <a:r>
-                <a:rPr lang="en-US" sz="1100" dirty="0">
-                  <a:latin typeface="Arial" panose="020B0604020202020204" pitchFamily="34" charset="0"/>
-                  <a:cs typeface="Arial" panose="020B0604020202020204" pitchFamily="34" charset="0"/>
-                </a:rPr>
-                <a:t>(Lilly Dickey Woods, IN, USA)</a:t>
-              </a:r>
-              <a:endParaRPr lang="en-US" sz="1100" i="1" dirty="0">
-                <a:latin typeface="Arial" panose="020B0604020202020204" pitchFamily="34" charset="0"/>
-                <a:cs typeface="Arial" panose="020B0604020202020204" pitchFamily="34" charset="0"/>
-              </a:endParaRPr>
-            </a:p>
-          </p:txBody>
-        </p:sp>
-        <p:sp>
-          <p:nvSpPr>
-            <p:cNvPr id="21" name="TextBox 20">
-              <a:extLst>
-                <a:ext uri="{FF2B5EF4-FFF2-40B4-BE49-F238E27FC236}">
-                  <a16:creationId xmlns:a16="http://schemas.microsoft.com/office/drawing/2014/main" id="{00BA7007-6AFD-0341-9827-86B761231326}"/>
-                </a:ext>
-              </a:extLst>
-            </p:cNvPr>
-            <p:cNvSpPr txBox="1"/>
-            <p:nvPr/>
-          </p:nvSpPr>
-          <p:spPr>
-            <a:xfrm>
-              <a:off x="3845707" y="4509735"/>
-              <a:ext cx="1971904" cy="430887"/>
-            </a:xfrm>
-            <a:prstGeom prst="rect">
-              <a:avLst/>
-            </a:prstGeom>
-            <a:solidFill>
-              <a:schemeClr val="bg1"/>
-            </a:solidFill>
-          </p:spPr>
-          <p:txBody>
-            <a:bodyPr wrap="square" rtlCol="0">
-              <a:spAutoFit/>
-            </a:bodyPr>
-            <a:lstStyle/>
-            <a:p>
-              <a:pPr algn="r"/>
-              <a:r>
-                <a:rPr lang="en-US" sz="1100" i="1" dirty="0">
-                  <a:latin typeface="Arial" panose="020B0604020202020204" pitchFamily="34" charset="0"/>
-                  <a:cs typeface="Arial" panose="020B0604020202020204" pitchFamily="34" charset="0"/>
-                </a:rPr>
-                <a:t>Picea pugens</a:t>
-              </a:r>
-            </a:p>
-            <a:p>
-              <a:pPr algn="r"/>
-              <a:r>
-                <a:rPr lang="en-US" sz="1100" dirty="0">
-                  <a:latin typeface="Arial" panose="020B0604020202020204" pitchFamily="34" charset="0"/>
-                  <a:cs typeface="Arial" panose="020B0604020202020204" pitchFamily="34" charset="0"/>
-                </a:rPr>
-                <a:t>(Cedar Breaks, Utah, USA)</a:t>
-              </a:r>
-              <a:endParaRPr lang="en-US" sz="1100" i="1" dirty="0">
-                <a:latin typeface="Arial" panose="020B0604020202020204" pitchFamily="34" charset="0"/>
-                <a:cs typeface="Arial" panose="020B0604020202020204" pitchFamily="34" charset="0"/>
-              </a:endParaRPr>
-            </a:p>
-          </p:txBody>
-        </p:sp>
-        <p:sp>
-          <p:nvSpPr>
-            <p:cNvPr id="12" name="Rectangle 11">
-              <a:extLst>
-                <a:ext uri="{FF2B5EF4-FFF2-40B4-BE49-F238E27FC236}">
-                  <a16:creationId xmlns:a16="http://schemas.microsoft.com/office/drawing/2014/main" id="{A82AE742-D309-8E44-86DD-19CD6F2FB2A8}"/>
-                </a:ext>
-              </a:extLst>
-            </p:cNvPr>
-            <p:cNvSpPr/>
-            <p:nvPr/>
-          </p:nvSpPr>
-          <p:spPr>
-            <a:xfrm>
-              <a:off x="3380858" y="579013"/>
-              <a:ext cx="385484" cy="243947"/>
-            </a:xfrm>
-            <a:prstGeom prst="rect">
-              <a:avLst/>
-            </a:prstGeom>
-            <a:solidFill>
-              <a:schemeClr val="bg1"/>
-            </a:solidFill>
-            <a:ln>
-              <a:solidFill>
-                <a:schemeClr val="bg1"/>
-              </a:solidFill>
-            </a:ln>
-          </p:spPr>
-          <p:style>
-            <a:lnRef idx="2">
-              <a:schemeClr val="accent1">
-                <a:shade val="50000"/>
-              </a:schemeClr>
-            </a:lnRef>
-            <a:fillRef idx="1">
-              <a:schemeClr val="accent1"/>
-            </a:fillRef>
-            <a:effectRef idx="0">
-              <a:schemeClr val="accent1"/>
-            </a:effectRef>
-            <a:fontRef idx="minor">
-              <a:schemeClr val="lt1"/>
-            </a:fontRef>
-          </p:style>
-          <p:txBody>
-            <a:bodyPr rtlCol="0" anchor="ctr"/>
-            <a:lstStyle/>
-            <a:p>
-              <a:pPr algn="ctr"/>
-              <a:endParaRPr lang="en-US"/>
-            </a:p>
-          </p:txBody>
-        </p:sp>
-        <p:sp>
-          <p:nvSpPr>
-            <p:cNvPr id="22" name="Rectangle 21">
-              <a:extLst>
-                <a:ext uri="{FF2B5EF4-FFF2-40B4-BE49-F238E27FC236}">
-                  <a16:creationId xmlns:a16="http://schemas.microsoft.com/office/drawing/2014/main" id="{8EE3E1A7-7A04-C34A-B43C-C9E64572DA0E}"/>
-                </a:ext>
-              </a:extLst>
-            </p:cNvPr>
-            <p:cNvSpPr/>
-            <p:nvPr/>
-          </p:nvSpPr>
-          <p:spPr>
-            <a:xfrm>
-              <a:off x="3409432" y="2498999"/>
-              <a:ext cx="385484" cy="243947"/>
-            </a:xfrm>
-            <a:prstGeom prst="rect">
-              <a:avLst/>
-            </a:prstGeom>
-            <a:solidFill>
-              <a:schemeClr val="bg1"/>
-            </a:solidFill>
-            <a:ln>
-              <a:solidFill>
-                <a:schemeClr val="bg1"/>
-              </a:solidFill>
-            </a:ln>
-          </p:spPr>
-          <p:style>
-            <a:lnRef idx="2">
-              <a:schemeClr val="accent1">
-                <a:shade val="50000"/>
-              </a:schemeClr>
-            </a:lnRef>
-            <a:fillRef idx="1">
-              <a:schemeClr val="accent1"/>
-            </a:fillRef>
-            <a:effectRef idx="0">
-              <a:schemeClr val="accent1"/>
-            </a:effectRef>
-            <a:fontRef idx="minor">
-              <a:schemeClr val="lt1"/>
-            </a:fontRef>
-          </p:style>
-          <p:txBody>
-            <a:bodyPr rtlCol="0" anchor="ctr"/>
-            <a:lstStyle/>
-            <a:p>
-              <a:pPr algn="ctr"/>
-              <a:endParaRPr lang="en-US"/>
-            </a:p>
-          </p:txBody>
-        </p:sp>
-        <p:sp>
-          <p:nvSpPr>
-            <p:cNvPr id="23" name="Rectangle 22">
-              <a:extLst>
-                <a:ext uri="{FF2B5EF4-FFF2-40B4-BE49-F238E27FC236}">
-                  <a16:creationId xmlns:a16="http://schemas.microsoft.com/office/drawing/2014/main" id="{6B89D76B-EAB7-4641-B058-C86CD77DC9CA}"/>
-                </a:ext>
-              </a:extLst>
-            </p:cNvPr>
-            <p:cNvSpPr/>
-            <p:nvPr/>
-          </p:nvSpPr>
-          <p:spPr>
-            <a:xfrm>
-              <a:off x="3375053" y="4355912"/>
-              <a:ext cx="385484" cy="243947"/>
-            </a:xfrm>
-            <a:prstGeom prst="rect">
-              <a:avLst/>
-            </a:prstGeom>
-            <a:solidFill>
-              <a:schemeClr val="bg1"/>
-            </a:solidFill>
-            <a:ln>
-              <a:solidFill>
-                <a:schemeClr val="bg1"/>
-              </a:solidFill>
-            </a:ln>
-          </p:spPr>
-          <p:style>
-            <a:lnRef idx="2">
-              <a:schemeClr val="accent1">
-                <a:shade val="50000"/>
-              </a:schemeClr>
-            </a:lnRef>
-            <a:fillRef idx="1">
-              <a:schemeClr val="accent1"/>
-            </a:fillRef>
-            <a:effectRef idx="0">
-              <a:schemeClr val="accent1"/>
-            </a:effectRef>
-            <a:fontRef idx="minor">
-              <a:schemeClr val="lt1"/>
-            </a:fontRef>
-          </p:style>
-          <p:txBody>
-            <a:bodyPr rtlCol="0" anchor="ctr"/>
-            <a:lstStyle/>
-            <a:p>
-              <a:pPr algn="ctr"/>
-              <a:endParaRPr lang="en-US"/>
-            </a:p>
-          </p:txBody>
-        </p:sp>
-      </p:grpSp>
-      <p:sp>
-        <p:nvSpPr>
-          <p:cNvPr id="25" name="TextBox 24">
-            <a:extLst>
-              <a:ext uri="{FF2B5EF4-FFF2-40B4-BE49-F238E27FC236}">
-                <a16:creationId xmlns:a16="http://schemas.microsoft.com/office/drawing/2014/main" id="{DEE9E15D-9DDD-4848-86AE-18D8AB12A2D0}"/>
+      <p:sp>
+        <p:nvSpPr>
+          <p:cNvPr id="9" name="TextBox 8">
+            <a:extLst>
+              <a:ext uri="{FF2B5EF4-FFF2-40B4-BE49-F238E27FC236}">
+                <a16:creationId xmlns:a16="http://schemas.microsoft.com/office/drawing/2014/main" id="{B0827302-ED15-364A-8A71-CC8F545A9A0E}"/>
               </a:ext>
             </a:extLst>
           </p:cNvPr>
@@ -4062,48 +3604,7 @@
         </p:nvSpPr>
         <p:spPr>
           <a:xfrm>
-            <a:off x="3181570" y="868092"/>
-            <a:ext cx="400110" cy="5230182"/>
-          </a:xfrm>
-          <a:prstGeom prst="rect">
-            <a:avLst/>
-          </a:prstGeom>
-          <a:solidFill>
-            <a:schemeClr val="bg1"/>
-          </a:solidFill>
-        </p:spPr>
-        <p:txBody>
-          <a:bodyPr vert="vert270" wrap="square" rtlCol="0">
-            <a:spAutoFit/>
-          </a:bodyPr>
-          <a:lstStyle/>
-          <a:p>
-            <a:pPr algn="ctr"/>
-            <a:r>
-              <a:rPr lang="en-US" sz="1400" b="1" dirty="0">
-                <a:latin typeface="Arial" panose="020B0604020202020204" pitchFamily="34" charset="0"/>
-                <a:cs typeface="Arial" panose="020B0604020202020204" pitchFamily="34" charset="0"/>
-              </a:rPr>
-              <a:t>Ring width (mm)</a:t>
-            </a:r>
-          </a:p>
-        </p:txBody>
-      </p:sp>
-      <p:sp>
-        <p:nvSpPr>
-          <p:cNvPr id="9" name="TextBox 8">
-            <a:extLst>
-              <a:ext uri="{FF2B5EF4-FFF2-40B4-BE49-F238E27FC236}">
-                <a16:creationId xmlns:a16="http://schemas.microsoft.com/office/drawing/2014/main" id="{B0827302-ED15-364A-8A71-CC8F545A9A0E}"/>
-              </a:ext>
-            </a:extLst>
-          </p:cNvPr>
-          <p:cNvSpPr txBox="1"/>
-          <p:nvPr/>
-        </p:nvSpPr>
-        <p:spPr>
-          <a:xfrm>
-            <a:off x="3284440" y="332738"/>
+            <a:off x="3076490" y="332738"/>
             <a:ext cx="585627" cy="369332"/>
           </a:xfrm>
           <a:prstGeom prst="rect">
@@ -4138,7 +3639,7 @@
         </p:nvSpPr>
         <p:spPr>
           <a:xfrm>
-            <a:off x="6051355" y="332738"/>
+            <a:off x="6103905" y="332738"/>
             <a:ext cx="585627" cy="369332"/>
           </a:xfrm>
           <a:prstGeom prst="rect">

--- a/tree_rings/draft_tree-rings_fig.pptx
+++ b/tree_rings/draft_tree-rings_fig.pptx
@@ -6,6 +6,7 @@
   </p:sldMasterIdLst>
   <p:sldIdLst>
     <p:sldId id="256" r:id="rId2"/>
+    <p:sldId id="257" r:id="rId3"/>
   </p:sldIdLst>
   <p:sldSz cx="12192000" cy="6858000"/>
   <p:notesSz cx="6858000" cy="9144000"/>
@@ -3673,6 +3674,371 @@
 </p:sld>
 </file>
 
+<file path=ppt/slides/slide2.xml><?xml version="1.0" encoding="utf-8"?>
+<p:sld xmlns:a="http://schemas.openxmlformats.org/drawingml/2006/main" xmlns:r="http://schemas.openxmlformats.org/officeDocument/2006/relationships" xmlns:p="http://schemas.openxmlformats.org/presentationml/2006/main">
+  <p:cSld>
+    <p:spTree>
+      <p:nvGrpSpPr>
+        <p:cNvPr id="1" name=""/>
+        <p:cNvGrpSpPr/>
+        <p:nvPr/>
+      </p:nvGrpSpPr>
+      <p:grpSpPr>
+        <a:xfrm>
+          <a:off x="0" y="0"/>
+          <a:ext cx="0" cy="0"/>
+          <a:chOff x="0" y="0"/>
+          <a:chExt cx="0" cy="0"/>
+        </a:xfrm>
+      </p:grpSpPr>
+      <p:pic>
+        <p:nvPicPr>
+          <p:cNvPr id="3" name="Picture 2">
+            <a:extLst>
+              <a:ext uri="{FF2B5EF4-FFF2-40B4-BE49-F238E27FC236}">
+                <a16:creationId xmlns:a16="http://schemas.microsoft.com/office/drawing/2014/main" id="{9DD44164-D76B-0B4A-94C0-9B134805C476}"/>
+              </a:ext>
+            </a:extLst>
+          </p:cNvPr>
+          <p:cNvPicPr>
+            <a:picLocks noChangeAspect="1"/>
+          </p:cNvPicPr>
+          <p:nvPr/>
+        </p:nvPicPr>
+        <p:blipFill>
+          <a:blip r:embed="rId2"/>
+          <a:stretch>
+            <a:fillRect/>
+          </a:stretch>
+        </p:blipFill>
+        <p:spPr>
+          <a:xfrm>
+            <a:off x="3200076" y="332737"/>
+            <a:ext cx="2989990" cy="6073417"/>
+          </a:xfrm>
+          <a:prstGeom prst="rect">
+            <a:avLst/>
+          </a:prstGeom>
+        </p:spPr>
+      </p:pic>
+      <p:pic>
+        <p:nvPicPr>
+          <p:cNvPr id="7" name="Picture 6">
+            <a:extLst>
+              <a:ext uri="{FF2B5EF4-FFF2-40B4-BE49-F238E27FC236}">
+                <a16:creationId xmlns:a16="http://schemas.microsoft.com/office/drawing/2014/main" id="{3312E9D9-3EB4-C043-9025-BC9CACAC40FF}"/>
+              </a:ext>
+            </a:extLst>
+          </p:cNvPr>
+          <p:cNvPicPr>
+            <a:picLocks noChangeAspect="1"/>
+          </p:cNvPicPr>
+          <p:nvPr/>
+        </p:nvPicPr>
+        <p:blipFill rotWithShape="1">
+          <a:blip r:embed="rId3"/>
+          <a:srcRect l="26594" t="-36" r="21318" b="94374"/>
+          <a:stretch/>
+        </p:blipFill>
+        <p:spPr>
+          <a:xfrm>
+            <a:off x="6454053" y="359522"/>
+            <a:ext cx="2176515" cy="208981"/>
+          </a:xfrm>
+          <a:prstGeom prst="rect">
+            <a:avLst/>
+          </a:prstGeom>
+        </p:spPr>
+      </p:pic>
+      <p:grpSp>
+        <p:nvGrpSpPr>
+          <p:cNvPr id="8" name="Group 7">
+            <a:extLst>
+              <a:ext uri="{FF2B5EF4-FFF2-40B4-BE49-F238E27FC236}">
+                <a16:creationId xmlns:a16="http://schemas.microsoft.com/office/drawing/2014/main" id="{C1176BA4-62AC-2D47-85C1-E5FF80191872}"/>
+              </a:ext>
+            </a:extLst>
+          </p:cNvPr>
+          <p:cNvGrpSpPr/>
+          <p:nvPr/>
+        </p:nvGrpSpPr>
+        <p:grpSpPr>
+          <a:xfrm>
+            <a:off x="6249095" y="672680"/>
+            <a:ext cx="2426606" cy="5808062"/>
+            <a:chOff x="6123578" y="713163"/>
+            <a:chExt cx="2426606" cy="5808062"/>
+          </a:xfrm>
+        </p:grpSpPr>
+        <p:pic>
+          <p:nvPicPr>
+            <p:cNvPr id="6" name="Picture 5">
+              <a:extLst>
+                <a:ext uri="{FF2B5EF4-FFF2-40B4-BE49-F238E27FC236}">
+                  <a16:creationId xmlns:a16="http://schemas.microsoft.com/office/drawing/2014/main" id="{53BA53F9-4AF6-884F-8FC7-081B84DF87D4}"/>
+                </a:ext>
+              </a:extLst>
+            </p:cNvPr>
+            <p:cNvPicPr>
+              <a:picLocks noChangeAspect="1"/>
+            </p:cNvPicPr>
+            <p:nvPr/>
+          </p:nvPicPr>
+          <p:blipFill rotWithShape="1">
+            <a:blip r:embed="rId3"/>
+            <a:srcRect l="3567" t="6017" r="61271"/>
+            <a:stretch/>
+          </p:blipFill>
+          <p:spPr>
+            <a:xfrm>
+              <a:off x="6123578" y="713163"/>
+              <a:ext cx="2426606" cy="5808062"/>
+            </a:xfrm>
+            <a:prstGeom prst="rect">
+              <a:avLst/>
+            </a:prstGeom>
+          </p:spPr>
+        </p:pic>
+        <p:sp>
+          <p:nvSpPr>
+            <p:cNvPr id="2" name="TextBox 1">
+              <a:extLst>
+                <a:ext uri="{FF2B5EF4-FFF2-40B4-BE49-F238E27FC236}">
+                  <a16:creationId xmlns:a16="http://schemas.microsoft.com/office/drawing/2014/main" id="{4FBFDD4E-8513-694A-BCB4-AD12C6322002}"/>
+                </a:ext>
+              </a:extLst>
+            </p:cNvPr>
+            <p:cNvSpPr txBox="1"/>
+            <p:nvPr/>
+          </p:nvSpPr>
+          <p:spPr>
+            <a:xfrm>
+              <a:off x="6989379" y="777770"/>
+              <a:ext cx="1446021" cy="261610"/>
+            </a:xfrm>
+            <a:prstGeom prst="rect">
+              <a:avLst/>
+            </a:prstGeom>
+            <a:noFill/>
+          </p:spPr>
+          <p:txBody>
+            <a:bodyPr wrap="square" rtlCol="0">
+              <a:spAutoFit/>
+            </a:bodyPr>
+            <a:lstStyle/>
+            <a:p>
+              <a:pPr algn="r"/>
+              <a:r>
+                <a:rPr lang="en-US" sz="1100" i="1" dirty="0">
+                  <a:latin typeface="Arial" panose="020B0604020202020204" pitchFamily="34" charset="0"/>
+                  <a:cs typeface="Arial" panose="020B0604020202020204" pitchFamily="34" charset="0"/>
+                </a:rPr>
+                <a:t>Tsuga canadensis</a:t>
+              </a:r>
+            </a:p>
+          </p:txBody>
+        </p:sp>
+        <p:sp>
+          <p:nvSpPr>
+            <p:cNvPr id="16" name="TextBox 15">
+              <a:extLst>
+                <a:ext uri="{FF2B5EF4-FFF2-40B4-BE49-F238E27FC236}">
+                  <a16:creationId xmlns:a16="http://schemas.microsoft.com/office/drawing/2014/main" id="{81F23270-6692-3F4E-93E5-6989ADD857FD}"/>
+                </a:ext>
+              </a:extLst>
+            </p:cNvPr>
+            <p:cNvSpPr txBox="1"/>
+            <p:nvPr/>
+          </p:nvSpPr>
+          <p:spPr>
+            <a:xfrm>
+              <a:off x="6989379" y="2107328"/>
+              <a:ext cx="1446021" cy="261610"/>
+            </a:xfrm>
+            <a:prstGeom prst="rect">
+              <a:avLst/>
+            </a:prstGeom>
+            <a:noFill/>
+          </p:spPr>
+          <p:txBody>
+            <a:bodyPr wrap="square" rtlCol="0">
+              <a:spAutoFit/>
+            </a:bodyPr>
+            <a:lstStyle/>
+            <a:p>
+              <a:pPr algn="r"/>
+              <a:r>
+                <a:rPr lang="en-US" sz="1100" i="1" dirty="0">
+                  <a:latin typeface="Arial" panose="020B0604020202020204" pitchFamily="34" charset="0"/>
+                  <a:cs typeface="Arial" panose="020B0604020202020204" pitchFamily="34" charset="0"/>
+                </a:rPr>
+                <a:t>Fagus grandifolia</a:t>
+              </a:r>
+            </a:p>
+          </p:txBody>
+        </p:sp>
+        <p:sp>
+          <p:nvSpPr>
+            <p:cNvPr id="17" name="TextBox 16">
+              <a:extLst>
+                <a:ext uri="{FF2B5EF4-FFF2-40B4-BE49-F238E27FC236}">
+                  <a16:creationId xmlns:a16="http://schemas.microsoft.com/office/drawing/2014/main" id="{1D3816CB-FBFE-AA4F-BEE8-EEE47292B5D1}"/>
+                </a:ext>
+              </a:extLst>
+            </p:cNvPr>
+            <p:cNvSpPr txBox="1"/>
+            <p:nvPr/>
+          </p:nvSpPr>
+          <p:spPr>
+            <a:xfrm>
+              <a:off x="6989379" y="3466576"/>
+              <a:ext cx="1446021" cy="261610"/>
+            </a:xfrm>
+            <a:prstGeom prst="rect">
+              <a:avLst/>
+            </a:prstGeom>
+            <a:noFill/>
+          </p:spPr>
+          <p:txBody>
+            <a:bodyPr wrap="square" rtlCol="0">
+              <a:spAutoFit/>
+            </a:bodyPr>
+            <a:lstStyle/>
+            <a:p>
+              <a:pPr algn="r"/>
+              <a:r>
+                <a:rPr lang="en-US" sz="1100" i="1" dirty="0">
+                  <a:latin typeface="Arial" panose="020B0604020202020204" pitchFamily="34" charset="0"/>
+                  <a:cs typeface="Arial" panose="020B0604020202020204" pitchFamily="34" charset="0"/>
+                </a:rPr>
+                <a:t>Acer rubrum</a:t>
+              </a:r>
+            </a:p>
+          </p:txBody>
+        </p:sp>
+        <p:sp>
+          <p:nvSpPr>
+            <p:cNvPr id="18" name="TextBox 17">
+              <a:extLst>
+                <a:ext uri="{FF2B5EF4-FFF2-40B4-BE49-F238E27FC236}">
+                  <a16:creationId xmlns:a16="http://schemas.microsoft.com/office/drawing/2014/main" id="{9B0C520C-E8A7-F64C-B823-9158DECF0163}"/>
+                </a:ext>
+              </a:extLst>
+            </p:cNvPr>
+            <p:cNvSpPr txBox="1"/>
+            <p:nvPr/>
+          </p:nvSpPr>
+          <p:spPr>
+            <a:xfrm>
+              <a:off x="6989379" y="4804804"/>
+              <a:ext cx="1446021" cy="261610"/>
+            </a:xfrm>
+            <a:prstGeom prst="rect">
+              <a:avLst/>
+            </a:prstGeom>
+            <a:noFill/>
+          </p:spPr>
+          <p:txBody>
+            <a:bodyPr wrap="square" rtlCol="0">
+              <a:spAutoFit/>
+            </a:bodyPr>
+            <a:lstStyle/>
+            <a:p>
+              <a:pPr algn="r"/>
+              <a:r>
+                <a:rPr lang="en-US" sz="1100" i="1" dirty="0">
+                  <a:latin typeface="Arial" panose="020B0604020202020204" pitchFamily="34" charset="0"/>
+                  <a:cs typeface="Arial" panose="020B0604020202020204" pitchFamily="34" charset="0"/>
+                </a:rPr>
+                <a:t>Quercus rubra</a:t>
+              </a:r>
+            </a:p>
+          </p:txBody>
+        </p:sp>
+      </p:grpSp>
+      <p:sp>
+        <p:nvSpPr>
+          <p:cNvPr id="9" name="TextBox 8">
+            <a:extLst>
+              <a:ext uri="{FF2B5EF4-FFF2-40B4-BE49-F238E27FC236}">
+                <a16:creationId xmlns:a16="http://schemas.microsoft.com/office/drawing/2014/main" id="{B0827302-ED15-364A-8A71-CC8F545A9A0E}"/>
+              </a:ext>
+            </a:extLst>
+          </p:cNvPr>
+          <p:cNvSpPr txBox="1"/>
+          <p:nvPr/>
+        </p:nvSpPr>
+        <p:spPr>
+          <a:xfrm>
+            <a:off x="3076490" y="332738"/>
+            <a:ext cx="585627" cy="369332"/>
+          </a:xfrm>
+          <a:prstGeom prst="rect">
+            <a:avLst/>
+          </a:prstGeom>
+          <a:noFill/>
+        </p:spPr>
+        <p:txBody>
+          <a:bodyPr wrap="square" rtlCol="0">
+            <a:spAutoFit/>
+          </a:bodyPr>
+          <a:lstStyle/>
+          <a:p>
+            <a:r>
+              <a:rPr lang="en-US" dirty="0"/>
+              <a:t>(a)</a:t>
+            </a:r>
+          </a:p>
+        </p:txBody>
+      </p:sp>
+      <p:sp>
+        <p:nvSpPr>
+          <p:cNvPr id="10" name="TextBox 9">
+            <a:extLst>
+              <a:ext uri="{FF2B5EF4-FFF2-40B4-BE49-F238E27FC236}">
+                <a16:creationId xmlns:a16="http://schemas.microsoft.com/office/drawing/2014/main" id="{0646AA13-0A84-AA43-B437-D822EA3680E2}"/>
+              </a:ext>
+            </a:extLst>
+          </p:cNvPr>
+          <p:cNvSpPr txBox="1"/>
+          <p:nvPr/>
+        </p:nvSpPr>
+        <p:spPr>
+          <a:xfrm>
+            <a:off x="6103905" y="332738"/>
+            <a:ext cx="585627" cy="369332"/>
+          </a:xfrm>
+          <a:prstGeom prst="rect">
+            <a:avLst/>
+          </a:prstGeom>
+          <a:noFill/>
+        </p:spPr>
+        <p:txBody>
+          <a:bodyPr wrap="square" rtlCol="0">
+            <a:spAutoFit/>
+          </a:bodyPr>
+          <a:lstStyle/>
+          <a:p>
+            <a:r>
+              <a:rPr lang="en-US" dirty="0"/>
+              <a:t>(b)</a:t>
+            </a:r>
+          </a:p>
+        </p:txBody>
+      </p:sp>
+    </p:spTree>
+    <p:extLst>
+      <p:ext uri="{BB962C8B-B14F-4D97-AF65-F5344CB8AC3E}">
+        <p14:creationId xmlns:p14="http://schemas.microsoft.com/office/powerpoint/2010/main" val="260477423"/>
+      </p:ext>
+    </p:extLst>
+  </p:cSld>
+  <p:clrMapOvr>
+    <a:masterClrMapping/>
+  </p:clrMapOvr>
+</p:sld>
+</file>
+
 <file path=ppt/theme/theme1.xml><?xml version="1.0" encoding="utf-8"?>
 <a:theme xmlns:a="http://schemas.openxmlformats.org/drawingml/2006/main" name="Office Theme">
   <a:themeElements>
